--- a/面向微博的反讽识别实验说明.pptx
+++ b/面向微博的反讽识别实验说明.pptx
@@ -32,8 +32,14 @@
     <p:sldId id="288" r:id="rId26"/>
     <p:sldId id="289" r:id="rId27"/>
     <p:sldId id="277" r:id="rId28"/>
-    <p:sldId id="282" r:id="rId29"/>
-    <p:sldId id="290" r:id="rId30"/>
+    <p:sldId id="293" r:id="rId29"/>
+    <p:sldId id="297" r:id="rId30"/>
+    <p:sldId id="295" r:id="rId31"/>
+    <p:sldId id="296" r:id="rId32"/>
+    <p:sldId id="294" r:id="rId33"/>
+    <p:sldId id="298" r:id="rId34"/>
+    <p:sldId id="282" r:id="rId35"/>
+    <p:sldId id="290" r:id="rId36"/>
   </p:sldIdLst>
   <p:sldSz cx="12192000" cy="6858000"/>
   <p:notesSz cx="6858000" cy="9144000"/>
@@ -366,7 +372,7 @@
           <a:p>
             <a:fld id="{189A55D1-21F1-7440-A9E6-EE93744174AB}" type="datetimeFigureOut">
               <a:rPr kumimoji="1" lang="zh-CN" altLang="en-US" smtClean="0"/>
-              <a:t>2018/10/25</a:t>
+              <a:t>2018/10/26</a:t>
             </a:fld>
             <a:endParaRPr kumimoji="1" lang="zh-CN" altLang="en-US"/>
           </a:p>
@@ -574,7 +580,7 @@
           <a:p>
             <a:fld id="{189A55D1-21F1-7440-A9E6-EE93744174AB}" type="datetimeFigureOut">
               <a:rPr kumimoji="1" lang="zh-CN" altLang="en-US" smtClean="0"/>
-              <a:t>2018/10/25</a:t>
+              <a:t>2018/10/26</a:t>
             </a:fld>
             <a:endParaRPr kumimoji="1" lang="zh-CN" altLang="en-US"/>
           </a:p>
@@ -830,7 +836,7 @@
           <a:p>
             <a:fld id="{189A55D1-21F1-7440-A9E6-EE93744174AB}" type="datetimeFigureOut">
               <a:rPr kumimoji="1" lang="zh-CN" altLang="en-US" smtClean="0"/>
-              <a:t>2018/10/25</a:t>
+              <a:t>2018/10/26</a:t>
             </a:fld>
             <a:endParaRPr kumimoji="1" lang="zh-CN" altLang="en-US"/>
           </a:p>
@@ -1004,7 +1010,7 @@
           <a:p>
             <a:fld id="{189A55D1-21F1-7440-A9E6-EE93744174AB}" type="datetimeFigureOut">
               <a:rPr kumimoji="1" lang="zh-CN" altLang="en-US" smtClean="0"/>
-              <a:t>2018/10/25</a:t>
+              <a:t>2018/10/26</a:t>
             </a:fld>
             <a:endParaRPr kumimoji="1" lang="zh-CN" altLang="en-US"/>
           </a:p>
@@ -1347,7 +1353,7 @@
           <a:p>
             <a:fld id="{189A55D1-21F1-7440-A9E6-EE93744174AB}" type="datetimeFigureOut">
               <a:rPr kumimoji="1" lang="zh-CN" altLang="en-US" smtClean="0"/>
-              <a:t>2018/10/25</a:t>
+              <a:t>2018/10/26</a:t>
             </a:fld>
             <a:endParaRPr kumimoji="1" lang="zh-CN" altLang="en-US"/>
           </a:p>
@@ -1622,7 +1628,7 @@
           <a:p>
             <a:fld id="{189A55D1-21F1-7440-A9E6-EE93744174AB}" type="datetimeFigureOut">
               <a:rPr kumimoji="1" lang="zh-CN" altLang="en-US" smtClean="0"/>
-              <a:t>2018/10/25</a:t>
+              <a:t>2018/10/26</a:t>
             </a:fld>
             <a:endParaRPr kumimoji="1" lang="zh-CN" altLang="en-US"/>
           </a:p>
@@ -2001,7 +2007,7 @@
           <a:p>
             <a:fld id="{189A55D1-21F1-7440-A9E6-EE93744174AB}" type="datetimeFigureOut">
               <a:rPr kumimoji="1" lang="zh-CN" altLang="en-US" smtClean="0"/>
-              <a:t>2018/10/25</a:t>
+              <a:t>2018/10/26</a:t>
             </a:fld>
             <a:endParaRPr kumimoji="1" lang="zh-CN" altLang="en-US"/>
           </a:p>
@@ -2119,7 +2125,7 @@
           <a:p>
             <a:fld id="{189A55D1-21F1-7440-A9E6-EE93744174AB}" type="datetimeFigureOut">
               <a:rPr kumimoji="1" lang="zh-CN" altLang="en-US" smtClean="0"/>
-              <a:t>2018/10/25</a:t>
+              <a:t>2018/10/26</a:t>
             </a:fld>
             <a:endParaRPr kumimoji="1" lang="zh-CN" altLang="en-US"/>
           </a:p>
@@ -2290,7 +2296,7 @@
           <a:p>
             <a:fld id="{189A55D1-21F1-7440-A9E6-EE93744174AB}" type="datetimeFigureOut">
               <a:rPr kumimoji="1" lang="zh-CN" altLang="en-US" smtClean="0"/>
-              <a:t>2018/10/25</a:t>
+              <a:t>2018/10/26</a:t>
             </a:fld>
             <a:endParaRPr kumimoji="1" lang="zh-CN" altLang="en-US"/>
           </a:p>
@@ -2644,7 +2650,7 @@
           <a:p>
             <a:fld id="{189A55D1-21F1-7440-A9E6-EE93744174AB}" type="datetimeFigureOut">
               <a:rPr kumimoji="1" lang="zh-CN" altLang="en-US" smtClean="0"/>
-              <a:t>2018/10/25</a:t>
+              <a:t>2018/10/26</a:t>
             </a:fld>
             <a:endParaRPr kumimoji="1" lang="zh-CN" altLang="en-US"/>
           </a:p>
@@ -3026,7 +3032,7 @@
           <a:p>
             <a:fld id="{189A55D1-21F1-7440-A9E6-EE93744174AB}" type="datetimeFigureOut">
               <a:rPr kumimoji="1" lang="zh-CN" altLang="en-US" smtClean="0"/>
-              <a:t>2018/10/25</a:t>
+              <a:t>2018/10/26</a:t>
             </a:fld>
             <a:endParaRPr kumimoji="1" lang="zh-CN" altLang="en-US"/>
           </a:p>
@@ -3313,7 +3319,7 @@
           <a:p>
             <a:fld id="{189A55D1-21F1-7440-A9E6-EE93744174AB}" type="datetimeFigureOut">
               <a:rPr kumimoji="1" lang="zh-CN" altLang="en-US" smtClean="0"/>
-              <a:t>2018/10/25</a:t>
+              <a:t>2018/10/26</a:t>
             </a:fld>
             <a:endParaRPr kumimoji="1" lang="zh-CN" altLang="en-US"/>
           </a:p>
@@ -4238,11 +4244,7 @@
             </a:r>
             <a:r>
               <a:rPr lang="en-US" altLang="zh-CN" dirty="0" smtClean="0"/>
-              <a:t> Lexical </a:t>
-            </a:r>
-            <a:r>
-              <a:rPr lang="en-US" altLang="zh-CN" dirty="0" smtClean="0"/>
-              <a:t>Feature [1]</a:t>
+              <a:t> Lexical Feature [1]</a:t>
             </a:r>
           </a:p>
           <a:p>
@@ -4475,13 +4477,8 @@
             </a:r>
             <a:r>
               <a:rPr kumimoji="1" lang="en-US" altLang="zh-CN" dirty="0" smtClean="0"/>
-              <a:t>Syntactic </a:t>
-            </a:r>
-            <a:r>
-              <a:rPr kumimoji="1" lang="en-US" altLang="zh-CN" dirty="0" smtClean="0"/>
-              <a:t>features [1]</a:t>
-            </a:r>
-            <a:endParaRPr kumimoji="1" lang="en-US" altLang="zh-CN" dirty="0" smtClean="0"/>
+              <a:t>Syntactic features [1]</a:t>
+            </a:r>
           </a:p>
           <a:p>
             <a:pPr lvl="2"/>
@@ -5000,7 +4997,6 @@
               <a:rPr kumimoji="1" lang="en-US" altLang="zh-CN" dirty="0" smtClean="0"/>
               <a:t>Incongruity [3]</a:t>
             </a:r>
-            <a:endParaRPr kumimoji="1" lang="en-US" altLang="zh-CN" dirty="0" smtClean="0"/>
           </a:p>
           <a:p>
             <a:pPr lvl="3"/>
@@ -5044,7 +5040,6 @@
               <a:rPr kumimoji="1" lang="en-US" altLang="zh-CN" dirty="0" smtClean="0"/>
               <a:t>) [2]</a:t>
             </a:r>
-            <a:endParaRPr kumimoji="1" lang="en-US" altLang="zh-CN" dirty="0" smtClean="0"/>
           </a:p>
           <a:p>
             <a:endParaRPr kumimoji="1" lang="zh-CN" altLang="en-US" dirty="0"/>
@@ -9007,10 +9002,9 @@
           <a:lstStyle/>
           <a:p>
             <a:r>
-              <a:rPr kumimoji="1" lang="zh-CN" altLang="en-US" dirty="0" smtClean="0"/>
-              <a:t>参考文献</a:t>
-            </a:r>
-            <a:endParaRPr kumimoji="1" lang="zh-CN" altLang="en-US" dirty="0"/>
+              <a:rPr kumimoji="1" lang="zh-CN" altLang="en-US" dirty="0"/>
+              <a:t>第三方工具</a:t>
+            </a:r>
           </a:p>
         </p:txBody>
       </p:sp>
@@ -9026,118 +9020,212 @@
         </p:nvSpPr>
         <p:spPr/>
         <p:txBody>
-          <a:bodyPr>
-            <a:normAutofit/>
+          <a:bodyPr/>
+          <a:lstStyle/>
+          <a:p>
+            <a:r>
+              <a:rPr kumimoji="1" lang="en-US" altLang="zh-CN" dirty="0" err="1" smtClean="0"/>
+              <a:t>SentiStrength</a:t>
+            </a:r>
+            <a:endParaRPr kumimoji="1" lang="en-US" altLang="zh-CN" dirty="0" smtClean="0"/>
+          </a:p>
+          <a:p>
+            <a:pPr lvl="1"/>
+            <a:r>
+              <a:rPr kumimoji="1" lang="en-US" altLang="zh-CN" dirty="0" smtClean="0"/>
+              <a:t>produced </a:t>
+            </a:r>
+            <a:r>
+              <a:rPr kumimoji="1" lang="en-US" altLang="zh-CN" dirty="0"/>
+              <a:t>as part of the </a:t>
+            </a:r>
+            <a:r>
+              <a:rPr kumimoji="1" lang="en-US" altLang="zh-CN" dirty="0" err="1"/>
+              <a:t>CyberEmotions</a:t>
+            </a:r>
+            <a:r>
+              <a:rPr kumimoji="1" lang="en-US" altLang="zh-CN" dirty="0"/>
+              <a:t> project, supported by EU </a:t>
+            </a:r>
+            <a:r>
+              <a:rPr kumimoji="1" lang="en-US" altLang="zh-CN" dirty="0" smtClean="0"/>
+              <a:t>FP7</a:t>
+            </a:r>
+          </a:p>
+          <a:p>
+            <a:pPr lvl="2"/>
+            <a:r>
+              <a:rPr kumimoji="1" lang="en-US" altLang="zh-CN" dirty="0" smtClean="0">
+                <a:hlinkClick r:id="rId2"/>
+              </a:rPr>
+              <a:t>http</a:t>
+            </a:r>
+            <a:r>
+              <a:rPr kumimoji="1" lang="en-US" altLang="zh-CN" dirty="0">
+                <a:hlinkClick r:id="rId2"/>
+              </a:rPr>
+              <a:t>://sentistrength.wlv.ac.uk</a:t>
+            </a:r>
+            <a:r>
+              <a:rPr kumimoji="1" lang="en-US" altLang="zh-CN" dirty="0" smtClean="0">
+                <a:hlinkClick r:id="rId2"/>
+              </a:rPr>
+              <a:t>/</a:t>
+            </a:r>
+            <a:endParaRPr kumimoji="1" lang="en-US" altLang="zh-CN" dirty="0" smtClean="0"/>
+          </a:p>
+          <a:p>
+            <a:pPr lvl="1"/>
+            <a:r>
+              <a:rPr kumimoji="1" lang="en-US" altLang="zh-CN" dirty="0" smtClean="0"/>
+              <a:t>estimates </a:t>
+            </a:r>
+            <a:r>
+              <a:rPr kumimoji="1" lang="en-US" altLang="zh-CN" dirty="0"/>
+              <a:t>the strength of positive and negative sentiment in short texts, even for informal </a:t>
+            </a:r>
+            <a:r>
+              <a:rPr kumimoji="1" lang="en-US" altLang="zh-CN" dirty="0" smtClean="0"/>
+              <a:t>language</a:t>
+            </a:r>
+          </a:p>
+          <a:p>
+            <a:pPr lvl="1"/>
+            <a:r>
+              <a:rPr kumimoji="1" lang="en-US" altLang="zh-CN" dirty="0" smtClean="0"/>
+              <a:t>has human-level </a:t>
+            </a:r>
+            <a:r>
+              <a:rPr kumimoji="1" lang="en-US" altLang="zh-CN" dirty="0"/>
+              <a:t>accuracy for short social web texts in English, except political </a:t>
+            </a:r>
+            <a:r>
+              <a:rPr kumimoji="1" lang="en-US" altLang="zh-CN" dirty="0" smtClean="0"/>
+              <a:t>texts</a:t>
+            </a:r>
+          </a:p>
+          <a:p>
+            <a:pPr lvl="1"/>
+            <a:r>
+              <a:rPr kumimoji="1" lang="en-US" altLang="zh-CN" dirty="0" smtClean="0"/>
+              <a:t>reports </a:t>
+            </a:r>
+            <a:r>
+              <a:rPr kumimoji="1" lang="en-US" altLang="zh-CN" dirty="0"/>
+              <a:t>two sentiment </a:t>
+            </a:r>
+            <a:r>
+              <a:rPr kumimoji="1" lang="en-US" altLang="zh-CN" dirty="0" smtClean="0"/>
+              <a:t>strengths</a:t>
+            </a:r>
+          </a:p>
+          <a:p>
+            <a:pPr lvl="2"/>
+            <a:r>
+              <a:rPr kumimoji="1" lang="en-US" altLang="zh-CN" dirty="0" smtClean="0"/>
+              <a:t>-</a:t>
+            </a:r>
+            <a:r>
+              <a:rPr kumimoji="1" lang="en-US" altLang="zh-CN" dirty="0"/>
+              <a:t>1 (not negative) to -5 (extremely negative</a:t>
+            </a:r>
+            <a:r>
+              <a:rPr kumimoji="1" lang="en-US" altLang="zh-CN" dirty="0" smtClean="0"/>
+              <a:t>)</a:t>
+            </a:r>
+          </a:p>
+          <a:p>
+            <a:pPr lvl="2"/>
+            <a:r>
+              <a:rPr kumimoji="1" lang="en-US" altLang="zh-CN" dirty="0" smtClean="0"/>
+              <a:t>1 </a:t>
+            </a:r>
+            <a:r>
+              <a:rPr kumimoji="1" lang="en-US" altLang="zh-CN" dirty="0"/>
+              <a:t>(not positive) to 5 (extremely positive</a:t>
+            </a:r>
+            <a:r>
+              <a:rPr kumimoji="1" lang="en-US" altLang="zh-CN" dirty="0" smtClean="0"/>
+              <a:t>)</a:t>
+            </a:r>
+          </a:p>
+          <a:p>
+            <a:pPr lvl="3"/>
+            <a:r>
+              <a:rPr kumimoji="1" lang="en-US" altLang="zh-CN" dirty="0" smtClean="0"/>
+              <a:t>research </a:t>
+            </a:r>
+            <a:r>
+              <a:rPr kumimoji="1" lang="en-US" altLang="zh-CN" dirty="0"/>
+              <a:t>from </a:t>
+            </a:r>
+            <a:r>
+              <a:rPr kumimoji="1" lang="en-US" altLang="zh-CN" dirty="0" smtClean="0"/>
+              <a:t>psychology* </a:t>
+            </a:r>
+            <a:r>
+              <a:rPr kumimoji="1" lang="en-US" altLang="zh-CN" dirty="0"/>
+              <a:t>has revealed that we process positive and negative sentiment in </a:t>
+            </a:r>
+            <a:r>
+              <a:rPr kumimoji="1" lang="en-US" altLang="zh-CN" dirty="0" smtClean="0"/>
+              <a:t>parallel</a:t>
+            </a:r>
+          </a:p>
+          <a:p>
+            <a:pPr lvl="1"/>
+            <a:endParaRPr kumimoji="1" lang="zh-CN" altLang="en-US" dirty="0"/>
+          </a:p>
+        </p:txBody>
+      </p:sp>
+      <p:sp>
+        <p:nvSpPr>
+          <p:cNvPr id="4" name="矩形 3"/>
+          <p:cNvSpPr/>
+          <p:nvPr/>
+        </p:nvSpPr>
+        <p:spPr>
+          <a:xfrm>
+            <a:off x="919480" y="6461780"/>
+            <a:ext cx="10414000" cy="261610"/>
+          </a:xfrm>
+          <a:prstGeom prst="rect">
+            <a:avLst/>
+          </a:prstGeom>
+        </p:spPr>
+        <p:txBody>
+          <a:bodyPr wrap="square">
+            <a:spAutoFit/>
           </a:bodyPr>
           <a:lstStyle/>
           <a:p>
-            <a:pPr lvl="1"/>
-            <a:r>
-              <a:rPr kumimoji="1" lang="en-US" altLang="zh-CN" dirty="0" smtClean="0"/>
-              <a:t>[1] Vu</a:t>
-            </a:r>
-            <a:r>
-              <a:rPr kumimoji="1" lang="en-US" altLang="zh-CN" dirty="0"/>
-              <a:t>, T., Nguyen, D. Q., Vu, X. S., Nguyen, D. Q., Catt, M., &amp; </a:t>
-            </a:r>
-            <a:r>
-              <a:rPr kumimoji="1" lang="en-US" altLang="zh-CN" dirty="0" err="1"/>
-              <a:t>Trenell</a:t>
-            </a:r>
-            <a:r>
-              <a:rPr kumimoji="1" lang="en-US" altLang="zh-CN" dirty="0"/>
-              <a:t>, M. (2018). </a:t>
-            </a:r>
-            <a:r>
-              <a:rPr kumimoji="1" lang="en-US" altLang="zh-CN" dirty="0" err="1"/>
-              <a:t>Nihrio</a:t>
-            </a:r>
-            <a:r>
-              <a:rPr kumimoji="1" lang="en-US" altLang="zh-CN" dirty="0"/>
-              <a:t> at semeval-2018 task 3: a simple and accurate neural network model for irony detection in twitter</a:t>
-            </a:r>
-            <a:r>
-              <a:rPr kumimoji="1" lang="en-US" altLang="zh-CN" dirty="0" smtClean="0"/>
-              <a:t>.</a:t>
-            </a:r>
-            <a:endParaRPr kumimoji="1" lang="en-US" altLang="zh-CN" dirty="0"/>
-          </a:p>
-          <a:p>
-            <a:pPr lvl="1"/>
-            <a:r>
-              <a:rPr kumimoji="1" lang="en-US" altLang="zh-CN" dirty="0" smtClean="0"/>
-              <a:t>[2] </a:t>
-            </a:r>
-            <a:r>
-              <a:rPr kumimoji="1" lang="en-US" altLang="zh-CN" dirty="0" err="1" smtClean="0"/>
-              <a:t>Riloff</a:t>
-            </a:r>
-            <a:r>
-              <a:rPr kumimoji="1" lang="en-US" altLang="zh-CN" dirty="0"/>
-              <a:t>, E., </a:t>
-            </a:r>
-            <a:r>
-              <a:rPr kumimoji="1" lang="en-US" altLang="zh-CN" dirty="0" err="1"/>
-              <a:t>Qadir</a:t>
-            </a:r>
-            <a:r>
-              <a:rPr kumimoji="1" lang="en-US" altLang="zh-CN" dirty="0"/>
-              <a:t>, A., </a:t>
-            </a:r>
-            <a:r>
-              <a:rPr kumimoji="1" lang="en-US" altLang="zh-CN" dirty="0" err="1"/>
-              <a:t>Surve</a:t>
-            </a:r>
-            <a:r>
-              <a:rPr kumimoji="1" lang="en-US" altLang="zh-CN" dirty="0"/>
-              <a:t>, P., Silva, L.D., Gilbert, H., and Huang, R. (2013). Sarcasm as contrast between a positive sentiment and negative situation. In Proceedings of the 2013 Conference on Empirical Methods in Natural Language Processing, pages 704–714. Association for Computational Linguistics.</a:t>
-            </a:r>
-          </a:p>
-          <a:p>
-            <a:pPr lvl="1"/>
-            <a:r>
-              <a:rPr kumimoji="1" lang="en-US" altLang="zh-CN" dirty="0" smtClean="0"/>
-              <a:t>[3] Joshi</a:t>
-            </a:r>
-            <a:r>
-              <a:rPr kumimoji="1" lang="en-US" altLang="zh-CN" dirty="0"/>
-              <a:t>, A., Sharma, V., Bhattacharyya, P. (2015). Harnessing Context Incongruity for Sarcasm Detection. Proceedings of the 53rd Annual Meeting of the Association for Computational Linguistics and the 7th International Joint Conference on Natural Language Processing, pages </a:t>
-            </a:r>
-            <a:r>
-              <a:rPr kumimoji="1" lang="en-US" altLang="zh-CN" dirty="0" smtClean="0"/>
-              <a:t>757–762</a:t>
-            </a:r>
-          </a:p>
-          <a:p>
-            <a:pPr lvl="1"/>
-            <a:r>
-              <a:rPr kumimoji="1" lang="en-US" altLang="zh-CN" dirty="0" smtClean="0"/>
-              <a:t>[4] Joshi</a:t>
-            </a:r>
-            <a:r>
-              <a:rPr kumimoji="1" lang="en-US" altLang="zh-CN" dirty="0"/>
-              <a:t>, A., </a:t>
-            </a:r>
-            <a:r>
-              <a:rPr kumimoji="1" lang="en-US" altLang="zh-CN" dirty="0" err="1"/>
-              <a:t>Tripathi</a:t>
-            </a:r>
-            <a:r>
-              <a:rPr kumimoji="1" lang="en-US" altLang="zh-CN" dirty="0"/>
-              <a:t>, V., Patel, K., Bhattacharyya, P., &amp; Carman, M. (2016). Are word embedding-based features useful for sarcasm detection?.</a:t>
-            </a:r>
-            <a:endParaRPr kumimoji="1" lang="en-US" altLang="zh-CN" dirty="0" smtClean="0"/>
-          </a:p>
-          <a:p>
-            <a:pPr lvl="1"/>
-            <a:endParaRPr kumimoji="1" lang="en-US" altLang="zh-CN" dirty="0"/>
+            <a:pPr marL="171450" indent="-171450">
+              <a:buFont typeface="Arial" charset="0"/>
+              <a:buChar char="•"/>
+            </a:pPr>
+            <a:r>
+              <a:rPr lang="zh-CN" altLang="en-US" sz="1100" dirty="0" smtClean="0">
+                <a:solidFill>
+                  <a:schemeClr val="bg1"/>
+                </a:solidFill>
+              </a:rPr>
+              <a:t>https</a:t>
+            </a:r>
+            <a:r>
+              <a:rPr lang="zh-CN" altLang="en-US" sz="1100" dirty="0">
+                <a:solidFill>
+                  <a:schemeClr val="bg1"/>
+                </a:solidFill>
+              </a:rPr>
+              <a:t>://www.frontiersin.org/articles/10.3389/fpsyg.2015.00428/full?utm_source=newsletter&amp;utm_medium=email&amp;utm_campaign=Psychology-w18-2015</a:t>
+            </a:r>
           </a:p>
         </p:txBody>
       </p:sp>
     </p:spTree>
     <p:extLst>
       <p:ext uri="{BB962C8B-B14F-4D97-AF65-F5344CB8AC3E}">
-        <p14:creationId xmlns:p14="http://schemas.microsoft.com/office/powerpoint/2010/main" val="1772833332"/>
+        <p14:creationId xmlns:p14="http://schemas.microsoft.com/office/powerpoint/2010/main" val="1042647455"/>
       </p:ext>
     </p:extLst>
   </p:cSld>
@@ -9188,7 +9276,7 @@
           <a:p>
             <a:r>
               <a:rPr kumimoji="1" lang="zh-CN" altLang="en-US" dirty="0"/>
-              <a:t>参考文献</a:t>
+              <a:t>第三方工具</a:t>
             </a:r>
           </a:p>
         </p:txBody>
@@ -9208,110 +9296,57 @@
           <a:bodyPr/>
           <a:lstStyle/>
           <a:p>
-            <a:pPr lvl="1"/>
-            <a:r>
-              <a:rPr kumimoji="1" lang="en-US" altLang="zh-CN" dirty="0" smtClean="0"/>
-              <a:t>Glove</a:t>
-            </a:r>
-          </a:p>
-          <a:p>
-            <a:pPr lvl="2"/>
-            <a:r>
-              <a:rPr lang="en-US" altLang="zh-CN" dirty="0" smtClean="0"/>
-              <a:t>Jeffrey </a:t>
-            </a:r>
-            <a:r>
-              <a:rPr lang="en-US" altLang="zh-CN" dirty="0"/>
-              <a:t>Pennington, Richard </a:t>
-            </a:r>
-            <a:r>
-              <a:rPr lang="en-US" altLang="zh-CN" dirty="0" err="1"/>
-              <a:t>Socher</a:t>
-            </a:r>
-            <a:r>
-              <a:rPr lang="en-US" altLang="zh-CN" dirty="0"/>
-              <a:t>, and Christopher Manning. 2014. Glove: Global Vectors for Word Representation. In Proceedings of the 2014 Conference on Empirical Methods in Natural Language Processing , pages 1532–1543.</a:t>
-            </a:r>
-          </a:p>
-          <a:p>
-            <a:pPr lvl="1"/>
-            <a:r>
-              <a:rPr kumimoji="1" lang="en-US" altLang="zh-CN" dirty="0"/>
-              <a:t>LSI, Latent Sematic </a:t>
-            </a:r>
-            <a:r>
-              <a:rPr kumimoji="1" lang="en-US" altLang="zh-CN" dirty="0" smtClean="0"/>
-              <a:t>Indexing</a:t>
-            </a:r>
-          </a:p>
-          <a:p>
-            <a:pPr lvl="2"/>
-            <a:r>
-              <a:rPr lang="en-US" altLang="zh-CN" dirty="0"/>
-              <a:t>Papadimitriou, Christos H, Tamaki, </a:t>
-            </a:r>
-            <a:r>
-              <a:rPr lang="en-US" altLang="zh-CN" dirty="0" err="1"/>
-              <a:t>Hisao</a:t>
-            </a:r>
-            <a:r>
-              <a:rPr lang="en-US" altLang="zh-CN" dirty="0"/>
-              <a:t>, </a:t>
-            </a:r>
-            <a:r>
-              <a:rPr lang="en-US" altLang="zh-CN" dirty="0" err="1"/>
-              <a:t>Raghavan</a:t>
-            </a:r>
-            <a:r>
-              <a:rPr lang="en-US" altLang="zh-CN" dirty="0"/>
-              <a:t>, </a:t>
-            </a:r>
-            <a:r>
-              <a:rPr lang="en-US" altLang="zh-CN" dirty="0" err="1"/>
-              <a:t>Prabhakar</a:t>
-            </a:r>
-            <a:r>
-              <a:rPr lang="en-US" altLang="zh-CN" dirty="0"/>
-              <a:t>, &amp; </a:t>
-            </a:r>
-            <a:r>
-              <a:rPr lang="en-US" altLang="zh-CN" dirty="0" err="1"/>
-              <a:t>Vempala</a:t>
-            </a:r>
-            <a:r>
-              <a:rPr lang="en-US" altLang="zh-CN" dirty="0"/>
-              <a:t>, Santosh. (2000). Latent semantic indexing: a probabilistic analysis. </a:t>
-            </a:r>
-            <a:r>
-              <a:rPr lang="en-US" altLang="zh-CN" i="1" dirty="0"/>
-              <a:t>Journal of Computer and System Sciences,</a:t>
-            </a:r>
-            <a:r>
-              <a:rPr lang="en-US" altLang="zh-CN" dirty="0"/>
-              <a:t> </a:t>
-            </a:r>
-            <a:r>
-              <a:rPr lang="en-US" altLang="zh-CN" i="1" dirty="0"/>
-              <a:t>61</a:t>
-            </a:r>
-            <a:r>
-              <a:rPr lang="en-US" altLang="zh-CN" dirty="0"/>
-              <a:t>(2), 217-235.</a:t>
-            </a:r>
-            <a:endParaRPr kumimoji="1" lang="zh-CN" altLang="en-US" dirty="0"/>
+            <a:endParaRPr kumimoji="1" lang="zh-CN" altLang="en-US"/>
           </a:p>
         </p:txBody>
       </p:sp>
+      <p:pic>
+        <p:nvPicPr>
+          <p:cNvPr id="4" name="图片 3"/>
+          <p:cNvPicPr>
+            <a:picLocks noChangeAspect="1"/>
+          </p:cNvPicPr>
+          <p:nvPr/>
+        </p:nvPicPr>
+        <p:blipFill>
+          <a:blip r:embed="rId2">
+            <a:extLst>
+              <a:ext uri="{28A0092B-C50C-407E-A947-70E740481C1C}">
+                <a14:useLocalDpi xmlns:a14="http://schemas.microsoft.com/office/drawing/2010/main" val="0"/>
+              </a:ext>
+            </a:extLst>
+          </a:blip>
+          <a:stretch>
+            <a:fillRect/>
+          </a:stretch>
+        </p:blipFill>
+        <p:spPr>
+          <a:xfrm>
+            <a:off x="2018473" y="2487488"/>
+            <a:ext cx="8420631" cy="2656012"/>
+          </a:xfrm>
+          <a:prstGeom prst="rect">
+            <a:avLst/>
+          </a:prstGeom>
+        </p:spPr>
+      </p:pic>
     </p:spTree>
     <p:extLst>
       <p:ext uri="{BB962C8B-B14F-4D97-AF65-F5344CB8AC3E}">
-        <p14:creationId xmlns:p14="http://schemas.microsoft.com/office/powerpoint/2010/main" val="823287115"/>
+        <p14:creationId xmlns:p14="http://schemas.microsoft.com/office/powerpoint/2010/main" val="1369030318"/>
       </p:ext>
     </p:extLst>
   </p:cSld>
   <p:clrMapOvr>
     <a:masterClrMapping/>
   </p:clrMapOvr>
+  <p:timing>
+    <p:tnLst>
+      <p:par>
+        <p:cTn id="1" dur="indefinite" restart="never" nodeType="tmRoot"/>
+      </p:par>
+    </p:tnLst>
+  </p:timing>
 </p:sld>
 </file>
 
@@ -9627,6 +9662,1886 @@
       </p:par>
     </p:tnLst>
   </p:timing>
+</p:sld>
+</file>
+
+<file path=ppt/slides/slide30.xml><?xml version="1.0" encoding="utf-8"?>
+<p:sld xmlns:a="http://schemas.openxmlformats.org/drawingml/2006/main" xmlns:r="http://schemas.openxmlformats.org/officeDocument/2006/relationships" xmlns:p="http://schemas.openxmlformats.org/presentationml/2006/main">
+  <p:cSld>
+    <p:spTree>
+      <p:nvGrpSpPr>
+        <p:cNvPr id="1" name=""/>
+        <p:cNvGrpSpPr/>
+        <p:nvPr/>
+      </p:nvGrpSpPr>
+      <p:grpSpPr>
+        <a:xfrm>
+          <a:off x="0" y="0"/>
+          <a:ext cx="0" cy="0"/>
+          <a:chOff x="0" y="0"/>
+          <a:chExt cx="0" cy="0"/>
+        </a:xfrm>
+      </p:grpSpPr>
+      <p:sp>
+        <p:nvSpPr>
+          <p:cNvPr id="2" name="标题 1"/>
+          <p:cNvSpPr>
+            <a:spLocks noGrp="1"/>
+          </p:cNvSpPr>
+          <p:nvPr>
+            <p:ph type="title"/>
+          </p:nvPr>
+        </p:nvSpPr>
+        <p:spPr/>
+        <p:txBody>
+          <a:bodyPr/>
+          <a:lstStyle/>
+          <a:p>
+            <a:r>
+              <a:rPr kumimoji="1" lang="zh-CN" altLang="en-US" dirty="0"/>
+              <a:t>第三方工具</a:t>
+            </a:r>
+          </a:p>
+        </p:txBody>
+      </p:sp>
+      <p:sp>
+        <p:nvSpPr>
+          <p:cNvPr id="3" name="内容占位符 2"/>
+          <p:cNvSpPr>
+            <a:spLocks noGrp="1"/>
+          </p:cNvSpPr>
+          <p:nvPr>
+            <p:ph sz="half" idx="1"/>
+          </p:nvPr>
+        </p:nvSpPr>
+        <p:spPr/>
+        <p:txBody>
+          <a:bodyPr>
+            <a:normAutofit/>
+          </a:bodyPr>
+          <a:lstStyle/>
+          <a:p>
+            <a:r>
+              <a:rPr kumimoji="1" lang="en-US" altLang="zh-CN" dirty="0" err="1"/>
+              <a:t>SentiStrength</a:t>
+            </a:r>
+            <a:endParaRPr kumimoji="1" lang="en-US" altLang="zh-CN" dirty="0"/>
+          </a:p>
+          <a:p>
+            <a:pPr lvl="1"/>
+            <a:r>
+              <a:rPr lang="zh-CN" altLang="en-US" dirty="0"/>
+              <a:t>英语单词</a:t>
+            </a:r>
+            <a:r>
+              <a:rPr lang="zh-CN" altLang="en-US" dirty="0" smtClean="0"/>
+              <a:t>列表</a:t>
+            </a:r>
+            <a:r>
+              <a:rPr lang="en-US" altLang="zh-CN" dirty="0" smtClean="0"/>
+              <a:t> (58119)</a:t>
+            </a:r>
+          </a:p>
+          <a:p>
+            <a:pPr lvl="1"/>
+            <a:endParaRPr lang="en-US" altLang="zh-CN" dirty="0" smtClean="0"/>
+          </a:p>
+          <a:p>
+            <a:pPr lvl="1"/>
+            <a:r>
+              <a:rPr lang="zh-CN" altLang="en-US" dirty="0" smtClean="0"/>
+              <a:t>单词</a:t>
+            </a:r>
+            <a:r>
+              <a:rPr lang="zh-CN" altLang="en-US" dirty="0"/>
+              <a:t>和情感极性映射</a:t>
+            </a:r>
+            <a:r>
+              <a:rPr lang="zh-CN" altLang="en-US" dirty="0" smtClean="0"/>
+              <a:t>表</a:t>
+            </a:r>
+            <a:r>
+              <a:rPr lang="en-US" altLang="zh-CN" dirty="0" smtClean="0"/>
+              <a:t> (2546)</a:t>
+            </a:r>
+          </a:p>
+          <a:p>
+            <a:pPr lvl="2"/>
+            <a:r>
+              <a:rPr lang="en-US" altLang="zh-CN" dirty="0" smtClean="0"/>
+              <a:t>abandon</a:t>
+            </a:r>
+            <a:r>
+              <a:rPr lang="en-US" altLang="zh-CN" dirty="0"/>
+              <a:t>*        -</a:t>
+            </a:r>
+            <a:r>
+              <a:rPr lang="en-US" altLang="zh-CN" dirty="0" smtClean="0"/>
+              <a:t>2</a:t>
+            </a:r>
+          </a:p>
+          <a:p>
+            <a:pPr lvl="2"/>
+            <a:r>
+              <a:rPr lang="en-US" altLang="zh-CN" dirty="0" smtClean="0"/>
+              <a:t>abate   </a:t>
+            </a:r>
+            <a:r>
+              <a:rPr lang="en-US" altLang="zh-CN" dirty="0"/>
+              <a:t>-2  </a:t>
+            </a:r>
+            <a:endParaRPr lang="en-US" altLang="zh-CN" dirty="0" smtClean="0"/>
+          </a:p>
+          <a:p>
+            <a:pPr lvl="1"/>
+            <a:r>
+              <a:rPr lang="zh-CN" altLang="en-US" dirty="0" smtClean="0"/>
+              <a:t>表情</a:t>
+            </a:r>
+            <a:r>
+              <a:rPr lang="zh-CN" altLang="en-US" dirty="0"/>
+              <a:t>符和情感极性映射表 </a:t>
+            </a:r>
+            <a:r>
+              <a:rPr lang="en-US" altLang="zh-CN" dirty="0" smtClean="0"/>
+              <a:t>(116)</a:t>
+            </a:r>
+          </a:p>
+          <a:p>
+            <a:pPr lvl="2"/>
+            <a:r>
+              <a:rPr lang="en-US" altLang="zh-CN" dirty="0" smtClean="0"/>
+              <a:t>(</a:t>
+            </a:r>
+            <a:r>
+              <a:rPr lang="en-US" altLang="zh-CN" dirty="0"/>
+              <a:t>o:     </a:t>
+            </a:r>
+            <a:r>
+              <a:rPr lang="en-US" altLang="zh-CN" dirty="0" smtClean="0"/>
+              <a:t>1</a:t>
+            </a:r>
+          </a:p>
+          <a:p>
+            <a:pPr lvl="2"/>
+            <a:r>
+              <a:rPr lang="en-US" altLang="zh-CN" dirty="0" smtClean="0"/>
+              <a:t>(</a:t>
+            </a:r>
+            <a:r>
+              <a:rPr lang="en-US" altLang="zh-CN" dirty="0"/>
+              <a:t>o;     </a:t>
+            </a:r>
+            <a:r>
+              <a:rPr lang="en-US" altLang="zh-CN" dirty="0" smtClean="0"/>
+              <a:t>0</a:t>
+            </a:r>
+          </a:p>
+          <a:p>
+            <a:pPr lvl="2"/>
+            <a:r>
+              <a:rPr lang="en-US" altLang="zh-CN" dirty="0" smtClean="0"/>
+              <a:t>)-:     </a:t>
+            </a:r>
+            <a:r>
+              <a:rPr lang="en-US" altLang="zh-CN" dirty="0"/>
+              <a:t>-</a:t>
+            </a:r>
+            <a:r>
+              <a:rPr lang="en-US" altLang="zh-CN" dirty="0" smtClean="0"/>
+              <a:t>1</a:t>
+            </a:r>
+          </a:p>
+          <a:p>
+            <a:pPr lvl="1"/>
+            <a:r>
+              <a:rPr lang="zh-CN" altLang="en-US" dirty="0" smtClean="0"/>
+              <a:t>增强</a:t>
+            </a:r>
+            <a:r>
+              <a:rPr lang="zh-CN" altLang="en-US" dirty="0"/>
+              <a:t>词和情感极性映射</a:t>
+            </a:r>
+            <a:r>
+              <a:rPr lang="zh-CN" altLang="en-US" dirty="0" smtClean="0"/>
+              <a:t>表</a:t>
+            </a:r>
+            <a:r>
+              <a:rPr lang="en-US" altLang="zh-CN" dirty="0" smtClean="0"/>
+              <a:t> (27)</a:t>
+            </a:r>
+          </a:p>
+          <a:p>
+            <a:pPr lvl="2"/>
+            <a:r>
+              <a:rPr lang="en-US" altLang="zh-CN" dirty="0" smtClean="0"/>
+              <a:t>incredibly      2</a:t>
+            </a:r>
+          </a:p>
+          <a:p>
+            <a:pPr lvl="2"/>
+            <a:r>
+              <a:rPr lang="en-US" altLang="zh-CN" dirty="0" smtClean="0"/>
+              <a:t>just    </a:t>
+            </a:r>
+            <a:r>
+              <a:rPr lang="en-US" altLang="zh-CN" dirty="0"/>
+              <a:t>-</a:t>
+            </a:r>
+            <a:r>
+              <a:rPr lang="en-US" altLang="zh-CN" dirty="0" smtClean="0"/>
+              <a:t>1</a:t>
+            </a:r>
+          </a:p>
+        </p:txBody>
+      </p:sp>
+      <p:sp>
+        <p:nvSpPr>
+          <p:cNvPr id="4" name="内容占位符 3"/>
+          <p:cNvSpPr>
+            <a:spLocks noGrp="1"/>
+          </p:cNvSpPr>
+          <p:nvPr>
+            <p:ph sz="half" idx="2"/>
+          </p:nvPr>
+        </p:nvSpPr>
+        <p:spPr/>
+        <p:txBody>
+          <a:bodyPr>
+            <a:normAutofit/>
+          </a:bodyPr>
+          <a:lstStyle/>
+          <a:p>
+            <a:pPr lvl="1"/>
+            <a:endParaRPr lang="en-US" altLang="zh-CN" dirty="0" smtClean="0"/>
+          </a:p>
+          <a:p>
+            <a:pPr lvl="1"/>
+            <a:r>
+              <a:rPr lang="zh-CN" altLang="en-US" dirty="0" smtClean="0"/>
+              <a:t>成语</a:t>
+            </a:r>
+            <a:r>
+              <a:rPr lang="zh-CN" altLang="en-US" dirty="0"/>
+              <a:t>情感极性映射</a:t>
+            </a:r>
+            <a:r>
+              <a:rPr lang="zh-CN" altLang="en-US" dirty="0" smtClean="0"/>
+              <a:t>表</a:t>
+            </a:r>
+            <a:r>
+              <a:rPr lang="en-US" altLang="zh-CN" dirty="0" smtClean="0"/>
+              <a:t> (9)</a:t>
+            </a:r>
+          </a:p>
+          <a:p>
+            <a:pPr lvl="2"/>
+            <a:r>
+              <a:rPr lang="en-US" altLang="zh-CN" dirty="0" smtClean="0"/>
+              <a:t>it </a:t>
+            </a:r>
+            <a:r>
+              <a:rPr lang="en-US" altLang="zh-CN" dirty="0"/>
+              <a:t>hanging      2</a:t>
+            </a:r>
+          </a:p>
+          <a:p>
+            <a:pPr lvl="2"/>
+            <a:r>
+              <a:rPr lang="en-US" altLang="zh-CN" dirty="0"/>
+              <a:t>shock horror    -2</a:t>
+            </a:r>
+          </a:p>
+          <a:p>
+            <a:pPr lvl="1"/>
+            <a:r>
+              <a:rPr lang="zh-CN" altLang="en-US" dirty="0"/>
+              <a:t>否定词</a:t>
+            </a:r>
+            <a:r>
+              <a:rPr lang="zh-CN" altLang="en-US" dirty="0" smtClean="0"/>
+              <a:t>列表</a:t>
+            </a:r>
+            <a:r>
+              <a:rPr lang="en-US" altLang="zh-CN" dirty="0" smtClean="0"/>
+              <a:t> (16)</a:t>
+            </a:r>
+            <a:endParaRPr lang="en-US" altLang="zh-CN" dirty="0"/>
+          </a:p>
+          <a:p>
+            <a:pPr lvl="2"/>
+            <a:r>
+              <a:rPr lang="en-US" altLang="zh-CN" dirty="0" err="1" smtClean="0"/>
+              <a:t>arent</a:t>
+            </a:r>
+            <a:endParaRPr lang="en-US" altLang="zh-CN" dirty="0"/>
+          </a:p>
+          <a:p>
+            <a:pPr lvl="2"/>
+            <a:r>
+              <a:rPr lang="en-US" altLang="zh-CN" dirty="0"/>
+              <a:t>can't</a:t>
+            </a:r>
+          </a:p>
+          <a:p>
+            <a:pPr lvl="1"/>
+            <a:r>
+              <a:rPr lang="zh-CN" altLang="en-US" dirty="0"/>
+              <a:t>疑问词</a:t>
+            </a:r>
+            <a:r>
+              <a:rPr lang="zh-CN" altLang="en-US" dirty="0" smtClean="0"/>
+              <a:t>列表</a:t>
+            </a:r>
+            <a:r>
+              <a:rPr lang="en-US" altLang="zh-CN" dirty="0" smtClean="0"/>
+              <a:t> (8)</a:t>
+            </a:r>
+            <a:endParaRPr lang="en-US" altLang="zh-CN" dirty="0"/>
+          </a:p>
+          <a:p>
+            <a:pPr lvl="2"/>
+            <a:r>
+              <a:rPr lang="en-US" altLang="zh-CN" dirty="0"/>
+              <a:t>what's</a:t>
+            </a:r>
+          </a:p>
+          <a:p>
+            <a:pPr lvl="2"/>
+            <a:r>
+              <a:rPr lang="en-US" altLang="zh-CN" dirty="0"/>
+              <a:t>when</a:t>
+            </a:r>
+          </a:p>
+          <a:p>
+            <a:pPr lvl="1"/>
+            <a:r>
+              <a:rPr lang="zh-CN" altLang="en-US" dirty="0"/>
+              <a:t>俚语映射</a:t>
+            </a:r>
+            <a:r>
+              <a:rPr lang="zh-CN" altLang="en-US" dirty="0" smtClean="0"/>
+              <a:t>表</a:t>
+            </a:r>
+            <a:r>
+              <a:rPr lang="en-US" altLang="zh-CN" dirty="0" smtClean="0"/>
+              <a:t> (90)</a:t>
+            </a:r>
+          </a:p>
+          <a:p>
+            <a:pPr lvl="2"/>
+            <a:r>
+              <a:rPr lang="en-US" altLang="zh-CN" dirty="0" err="1" smtClean="0"/>
+              <a:t>alol</a:t>
+            </a:r>
+            <a:r>
+              <a:rPr lang="en-US" altLang="zh-CN" dirty="0" smtClean="0"/>
+              <a:t>    </a:t>
+            </a:r>
+            <a:r>
+              <a:rPr lang="en-US" altLang="zh-CN" dirty="0"/>
+              <a:t>actually laughing out loud</a:t>
+            </a:r>
+          </a:p>
+          <a:p>
+            <a:pPr lvl="2"/>
+            <a:r>
+              <a:rPr lang="en-US" altLang="zh-CN" dirty="0"/>
+              <a:t>b4      before</a:t>
+            </a:r>
+            <a:endParaRPr kumimoji="1" lang="zh-CN" altLang="en-US" dirty="0"/>
+          </a:p>
+          <a:p>
+            <a:endParaRPr kumimoji="1" lang="zh-CN" altLang="en-US" dirty="0"/>
+          </a:p>
+        </p:txBody>
+      </p:sp>
+    </p:spTree>
+    <p:extLst>
+      <p:ext uri="{BB962C8B-B14F-4D97-AF65-F5344CB8AC3E}">
+        <p14:creationId xmlns:p14="http://schemas.microsoft.com/office/powerpoint/2010/main" val="339487214"/>
+      </p:ext>
+    </p:extLst>
+  </p:cSld>
+  <p:clrMapOvr>
+    <a:masterClrMapping/>
+  </p:clrMapOvr>
+  <p:timing>
+    <p:tnLst>
+      <p:par>
+        <p:cTn id="1" dur="indefinite" restart="never" nodeType="tmRoot"/>
+      </p:par>
+    </p:tnLst>
+  </p:timing>
+</p:sld>
+</file>
+
+<file path=ppt/slides/slide31.xml><?xml version="1.0" encoding="utf-8"?>
+<p:sld xmlns:a="http://schemas.openxmlformats.org/drawingml/2006/main" xmlns:r="http://schemas.openxmlformats.org/officeDocument/2006/relationships" xmlns:p="http://schemas.openxmlformats.org/presentationml/2006/main">
+  <p:cSld>
+    <p:spTree>
+      <p:nvGrpSpPr>
+        <p:cNvPr id="1" name=""/>
+        <p:cNvGrpSpPr/>
+        <p:nvPr/>
+      </p:nvGrpSpPr>
+      <p:grpSpPr>
+        <a:xfrm>
+          <a:off x="0" y="0"/>
+          <a:ext cx="0" cy="0"/>
+          <a:chOff x="0" y="0"/>
+          <a:chExt cx="0" cy="0"/>
+        </a:xfrm>
+      </p:grpSpPr>
+      <p:sp>
+        <p:nvSpPr>
+          <p:cNvPr id="2" name="标题 1"/>
+          <p:cNvSpPr>
+            <a:spLocks noGrp="1"/>
+          </p:cNvSpPr>
+          <p:nvPr>
+            <p:ph type="title"/>
+          </p:nvPr>
+        </p:nvSpPr>
+        <p:spPr/>
+        <p:txBody>
+          <a:bodyPr/>
+          <a:lstStyle/>
+          <a:p>
+            <a:r>
+              <a:rPr kumimoji="1" lang="zh-CN" altLang="en-US" dirty="0"/>
+              <a:t>第三方工具</a:t>
+            </a:r>
+          </a:p>
+        </p:txBody>
+      </p:sp>
+      <p:sp>
+        <p:nvSpPr>
+          <p:cNvPr id="7" name="内容占位符 6"/>
+          <p:cNvSpPr>
+            <a:spLocks noGrp="1"/>
+          </p:cNvSpPr>
+          <p:nvPr>
+            <p:ph sz="half" idx="1"/>
+          </p:nvPr>
+        </p:nvSpPr>
+        <p:spPr/>
+        <p:txBody>
+          <a:bodyPr>
+            <a:normAutofit/>
+          </a:bodyPr>
+          <a:lstStyle/>
+          <a:p>
+            <a:r>
+              <a:rPr kumimoji="1" lang="en-US" altLang="zh-CN" dirty="0" err="1"/>
+              <a:t>SentiWordNet</a:t>
+            </a:r>
+            <a:endParaRPr kumimoji="1" lang="en-US" altLang="zh-CN" dirty="0"/>
+          </a:p>
+          <a:p>
+            <a:pPr lvl="1"/>
+            <a:r>
+              <a:rPr kumimoji="1" lang="en-US" altLang="zh-CN" dirty="0"/>
+              <a:t>a lexical resource for opinion mining</a:t>
+            </a:r>
+          </a:p>
+          <a:p>
+            <a:pPr lvl="1"/>
+            <a:r>
+              <a:rPr kumimoji="1" lang="en-US" altLang="zh-CN" dirty="0"/>
+              <a:t>assigns to each </a:t>
+            </a:r>
+            <a:r>
+              <a:rPr kumimoji="1" lang="en-US" altLang="zh-CN" dirty="0" err="1"/>
+              <a:t>synset</a:t>
+            </a:r>
+            <a:r>
+              <a:rPr kumimoji="1" lang="en-US" altLang="zh-CN" dirty="0"/>
+              <a:t> of WordNet three sentiment scores</a:t>
+            </a:r>
+          </a:p>
+          <a:p>
+            <a:pPr lvl="2"/>
+            <a:r>
+              <a:rPr kumimoji="1" lang="en-US" altLang="zh-CN" dirty="0"/>
+              <a:t>positivity, negativity, and objectivity</a:t>
+            </a:r>
+          </a:p>
+          <a:p>
+            <a:pPr lvl="1"/>
+            <a:r>
+              <a:rPr kumimoji="1" lang="en-US" altLang="zh-CN" dirty="0"/>
+              <a:t>described in details in the papers</a:t>
+            </a:r>
+          </a:p>
+          <a:p>
+            <a:pPr lvl="2"/>
+            <a:r>
+              <a:rPr kumimoji="1" lang="en-US" altLang="zh-CN" dirty="0" err="1"/>
+              <a:t>SentiWordNet</a:t>
+            </a:r>
+            <a:r>
+              <a:rPr kumimoji="1" lang="en-US" altLang="zh-CN" dirty="0"/>
+              <a:t>: A Publicly Available Lexical Resource for Opinion Mining</a:t>
+            </a:r>
+          </a:p>
+          <a:p>
+            <a:pPr lvl="2"/>
+            <a:r>
+              <a:rPr kumimoji="1" lang="en-US" altLang="zh-CN" dirty="0" err="1"/>
+              <a:t>SentiWordNet</a:t>
+            </a:r>
+            <a:r>
+              <a:rPr kumimoji="1" lang="en-US" altLang="zh-CN" dirty="0"/>
+              <a:t> 3.0: An Enhanced Lexical Resource for Sentiment Analysis and Opinion Mining</a:t>
+            </a:r>
+          </a:p>
+          <a:p>
+            <a:pPr lvl="2"/>
+            <a:endParaRPr kumimoji="1" lang="zh-CN" altLang="en-US" dirty="0"/>
+          </a:p>
+          <a:p>
+            <a:endParaRPr kumimoji="1" lang="en-US" altLang="zh-CN" dirty="0" smtClean="0"/>
+          </a:p>
+          <a:p>
+            <a:endParaRPr kumimoji="1" lang="en-US" altLang="zh-CN" dirty="0" smtClean="0"/>
+          </a:p>
+          <a:p>
+            <a:endParaRPr kumimoji="1" lang="en-US" altLang="zh-CN" dirty="0" smtClean="0"/>
+          </a:p>
+          <a:p>
+            <a:endParaRPr kumimoji="1" lang="en-US" altLang="zh-CN" dirty="0" smtClean="0"/>
+          </a:p>
+          <a:p>
+            <a:endParaRPr kumimoji="1" lang="en-US" altLang="zh-CN" dirty="0" smtClean="0"/>
+          </a:p>
+          <a:p>
+            <a:endParaRPr kumimoji="1" lang="en-US" altLang="zh-CN" dirty="0"/>
+          </a:p>
+          <a:p>
+            <a:endParaRPr kumimoji="1" lang="en-US" altLang="zh-CN" dirty="0" smtClean="0"/>
+          </a:p>
+          <a:p>
+            <a:endParaRPr kumimoji="1" lang="en-US" altLang="zh-CN" dirty="0"/>
+          </a:p>
+          <a:p>
+            <a:endParaRPr kumimoji="1" lang="zh-CN" altLang="en-US" dirty="0"/>
+          </a:p>
+          <a:p>
+            <a:endParaRPr kumimoji="1" lang="zh-CN" altLang="en-US" dirty="0"/>
+          </a:p>
+        </p:txBody>
+      </p:sp>
+      <p:sp>
+        <p:nvSpPr>
+          <p:cNvPr id="10" name="矩形 9"/>
+          <p:cNvSpPr/>
+          <p:nvPr/>
+        </p:nvSpPr>
+        <p:spPr>
+          <a:xfrm>
+            <a:off x="6035039" y="2499142"/>
+            <a:ext cx="6096000" cy="3108543"/>
+          </a:xfrm>
+          <a:prstGeom prst="rect">
+            <a:avLst/>
+          </a:prstGeom>
+        </p:spPr>
+        <p:txBody>
+          <a:bodyPr>
+            <a:spAutoFit/>
+          </a:bodyPr>
+          <a:lstStyle/>
+          <a:p>
+            <a:r>
+              <a:rPr lang="en-US" altLang="zh-CN" sz="1400" i="1" dirty="0">
+                <a:solidFill>
+                  <a:srgbClr val="4070A0"/>
+                </a:solidFill>
+              </a:rPr>
+              <a:t>&gt;&gt;&gt; from </a:t>
+            </a:r>
+            <a:r>
+              <a:rPr lang="en-US" altLang="zh-CN" sz="1400" i="1" dirty="0" err="1">
+                <a:solidFill>
+                  <a:srgbClr val="4070A0"/>
+                </a:solidFill>
+              </a:rPr>
+              <a:t>nltk.corpus</a:t>
+            </a:r>
+            <a:r>
+              <a:rPr lang="en-US" altLang="zh-CN" sz="1400" i="1" dirty="0">
+                <a:solidFill>
+                  <a:srgbClr val="4070A0"/>
+                </a:solidFill>
+              </a:rPr>
+              <a:t> import </a:t>
+            </a:r>
+            <a:r>
+              <a:rPr lang="en-US" altLang="zh-CN" sz="1400" i="1" dirty="0" err="1">
+                <a:solidFill>
+                  <a:srgbClr val="4070A0"/>
+                </a:solidFill>
+              </a:rPr>
+              <a:t>sentiwordnet</a:t>
+            </a:r>
+            <a:r>
+              <a:rPr lang="en-US" altLang="zh-CN" sz="1400" i="1" dirty="0">
+                <a:solidFill>
+                  <a:srgbClr val="4070A0"/>
+                </a:solidFill>
+              </a:rPr>
+              <a:t> as </a:t>
+            </a:r>
+            <a:r>
+              <a:rPr lang="en-US" altLang="zh-CN" sz="1400" i="1" dirty="0" err="1">
+                <a:solidFill>
+                  <a:srgbClr val="4070A0"/>
+                </a:solidFill>
+              </a:rPr>
+              <a:t>swn</a:t>
+            </a:r>
+            <a:endParaRPr lang="en-US" altLang="zh-CN" sz="1400" dirty="0"/>
+          </a:p>
+          <a:p>
+            <a:r>
+              <a:rPr lang="en-US" altLang="zh-CN" sz="1400" i="1" dirty="0">
+                <a:solidFill>
+                  <a:srgbClr val="4070A0"/>
+                </a:solidFill>
+              </a:rPr>
+              <a:t>&gt;&gt;&gt; list(</a:t>
+            </a:r>
+            <a:r>
+              <a:rPr lang="en-US" altLang="zh-CN" sz="1400" i="1" dirty="0" err="1">
+                <a:solidFill>
+                  <a:srgbClr val="4070A0"/>
+                </a:solidFill>
+              </a:rPr>
+              <a:t>swn.senti_synsets</a:t>
+            </a:r>
+            <a:r>
+              <a:rPr lang="en-US" altLang="zh-CN" sz="1400" i="1" dirty="0">
+                <a:solidFill>
+                  <a:srgbClr val="4070A0"/>
+                </a:solidFill>
+              </a:rPr>
+              <a:t>('slow'))</a:t>
+            </a:r>
+            <a:endParaRPr lang="en-US" altLang="zh-CN" sz="1400" dirty="0"/>
+          </a:p>
+          <a:p>
+            <a:r>
+              <a:rPr lang="en-US" altLang="zh-CN" sz="1400" i="1" dirty="0">
+                <a:solidFill>
+                  <a:srgbClr val="4070A0"/>
+                </a:solidFill>
+              </a:rPr>
+              <a:t>[</a:t>
+            </a:r>
+            <a:r>
+              <a:rPr lang="en-US" altLang="zh-CN" sz="1400" i="1" dirty="0" err="1">
+                <a:solidFill>
+                  <a:srgbClr val="4070A0"/>
+                </a:solidFill>
+              </a:rPr>
+              <a:t>SentiSynset</a:t>
+            </a:r>
+            <a:r>
+              <a:rPr lang="en-US" altLang="zh-CN" sz="1400" i="1" dirty="0">
+                <a:solidFill>
+                  <a:srgbClr val="4070A0"/>
+                </a:solidFill>
+              </a:rPr>
+              <a:t>('decelerate.v.01'), </a:t>
+            </a:r>
+            <a:r>
+              <a:rPr lang="en-US" altLang="zh-CN" sz="1400" i="1" dirty="0" err="1">
+                <a:solidFill>
+                  <a:srgbClr val="4070A0"/>
+                </a:solidFill>
+              </a:rPr>
+              <a:t>SentiSynset</a:t>
+            </a:r>
+            <a:r>
+              <a:rPr lang="en-US" altLang="zh-CN" sz="1400" i="1" dirty="0">
+                <a:solidFill>
+                  <a:srgbClr val="4070A0"/>
+                </a:solidFill>
+              </a:rPr>
+              <a:t>('slow.v.02'),</a:t>
+            </a:r>
+            <a:r>
+              <a:rPr lang="en-US" altLang="zh-CN" sz="1400" dirty="0"/>
+              <a:t> </a:t>
+            </a:r>
+            <a:r>
+              <a:rPr lang="en-US" altLang="zh-CN" sz="1400" i="1" dirty="0" err="1">
+                <a:solidFill>
+                  <a:srgbClr val="4070A0"/>
+                </a:solidFill>
+              </a:rPr>
+              <a:t>SentiSynset</a:t>
+            </a:r>
+            <a:r>
+              <a:rPr lang="en-US" altLang="zh-CN" sz="1400" i="1" dirty="0">
+                <a:solidFill>
+                  <a:srgbClr val="4070A0"/>
+                </a:solidFill>
+              </a:rPr>
+              <a:t>('slow.v.03'), </a:t>
+            </a:r>
+            <a:r>
+              <a:rPr lang="en-US" altLang="zh-CN" sz="1400" i="1" dirty="0" err="1">
+                <a:solidFill>
+                  <a:srgbClr val="4070A0"/>
+                </a:solidFill>
+              </a:rPr>
+              <a:t>SentiSynset</a:t>
+            </a:r>
+            <a:r>
+              <a:rPr lang="en-US" altLang="zh-CN" sz="1400" i="1" dirty="0">
+                <a:solidFill>
+                  <a:srgbClr val="4070A0"/>
+                </a:solidFill>
+              </a:rPr>
+              <a:t>('slow.a.01'),</a:t>
+            </a:r>
+            <a:r>
+              <a:rPr lang="en-US" altLang="zh-CN" sz="1400" dirty="0"/>
+              <a:t> </a:t>
+            </a:r>
+            <a:r>
+              <a:rPr lang="en-US" altLang="zh-CN" sz="1400" i="1" dirty="0" err="1">
+                <a:solidFill>
+                  <a:srgbClr val="4070A0"/>
+                </a:solidFill>
+              </a:rPr>
+              <a:t>SentiSynset</a:t>
+            </a:r>
+            <a:r>
+              <a:rPr lang="en-US" altLang="zh-CN" sz="1400" i="1" dirty="0">
+                <a:solidFill>
+                  <a:srgbClr val="4070A0"/>
+                </a:solidFill>
+              </a:rPr>
+              <a:t>('slow.a.02')]</a:t>
+            </a:r>
+          </a:p>
+          <a:p>
+            <a:endParaRPr lang="en-US" altLang="zh-CN" sz="1400" dirty="0"/>
+          </a:p>
+          <a:p>
+            <a:r>
+              <a:rPr lang="en-US" altLang="zh-CN" sz="1400" i="1" dirty="0">
+                <a:solidFill>
+                  <a:srgbClr val="4070A0"/>
+                </a:solidFill>
+              </a:rPr>
+              <a:t>&gt;&gt;&gt; happy = </a:t>
+            </a:r>
+            <a:r>
+              <a:rPr lang="en-US" altLang="zh-CN" sz="1400" i="1" dirty="0" err="1">
+                <a:solidFill>
+                  <a:srgbClr val="4070A0"/>
+                </a:solidFill>
+              </a:rPr>
+              <a:t>swn.senti_synsets</a:t>
+            </a:r>
+            <a:r>
+              <a:rPr lang="en-US" altLang="zh-CN" sz="1400" i="1" dirty="0">
+                <a:solidFill>
+                  <a:srgbClr val="4070A0"/>
+                </a:solidFill>
+              </a:rPr>
+              <a:t>('happy', 'a')</a:t>
+            </a:r>
+            <a:endParaRPr lang="en-US" altLang="zh-CN" sz="1400" dirty="0"/>
+          </a:p>
+          <a:p>
+            <a:r>
+              <a:rPr lang="en-US" altLang="zh-CN" sz="1400" i="1" dirty="0">
+                <a:solidFill>
+                  <a:srgbClr val="4070A0"/>
+                </a:solidFill>
+              </a:rPr>
+              <a:t>&gt;&gt;&gt; happy0 = list(happy)[0]</a:t>
+            </a:r>
+            <a:endParaRPr lang="en-US" altLang="zh-CN" sz="1400" dirty="0"/>
+          </a:p>
+          <a:p>
+            <a:r>
+              <a:rPr lang="en-US" altLang="zh-CN" sz="1400" i="1" dirty="0">
+                <a:solidFill>
+                  <a:srgbClr val="4070A0"/>
+                </a:solidFill>
+              </a:rPr>
+              <a:t>&gt;&gt;&gt; happy0.pos_score()</a:t>
+            </a:r>
+            <a:endParaRPr lang="en-US" altLang="zh-CN" sz="1400" dirty="0"/>
+          </a:p>
+          <a:p>
+            <a:r>
+              <a:rPr lang="en-US" altLang="zh-CN" sz="1400" i="1" dirty="0">
+                <a:solidFill>
+                  <a:srgbClr val="4070A0"/>
+                </a:solidFill>
+              </a:rPr>
+              <a:t>0.875</a:t>
+            </a:r>
+            <a:endParaRPr lang="en-US" altLang="zh-CN" sz="1400" dirty="0"/>
+          </a:p>
+          <a:p>
+            <a:r>
+              <a:rPr lang="en-US" altLang="zh-CN" sz="1400" i="1" dirty="0">
+                <a:solidFill>
+                  <a:srgbClr val="4070A0"/>
+                </a:solidFill>
+              </a:rPr>
+              <a:t>&gt;&gt;&gt; happy0.neg_score()</a:t>
+            </a:r>
+            <a:endParaRPr lang="en-US" altLang="zh-CN" sz="1400" dirty="0"/>
+          </a:p>
+          <a:p>
+            <a:r>
+              <a:rPr lang="en-US" altLang="zh-CN" sz="1400" i="1" dirty="0">
+                <a:solidFill>
+                  <a:srgbClr val="4070A0"/>
+                </a:solidFill>
+              </a:rPr>
+              <a:t>0.0</a:t>
+            </a:r>
+            <a:endParaRPr lang="en-US" altLang="zh-CN" sz="1400" dirty="0"/>
+          </a:p>
+          <a:p>
+            <a:r>
+              <a:rPr lang="en-US" altLang="zh-CN" sz="1400" i="1" dirty="0">
+                <a:solidFill>
+                  <a:srgbClr val="4070A0"/>
+                </a:solidFill>
+              </a:rPr>
+              <a:t>&gt;&gt;&gt; happy0.obj_score()</a:t>
+            </a:r>
+            <a:endParaRPr lang="en-US" altLang="zh-CN" sz="1400" dirty="0"/>
+          </a:p>
+          <a:p>
+            <a:r>
+              <a:rPr lang="en-US" altLang="zh-CN" sz="1400" i="1" dirty="0">
+                <a:solidFill>
+                  <a:srgbClr val="4070A0"/>
+                </a:solidFill>
+              </a:rPr>
+              <a:t>0.125</a:t>
+            </a:r>
+            <a:endParaRPr lang="zh-CN" altLang="en-US" sz="1400" dirty="0"/>
+          </a:p>
+          <a:p>
+            <a:endParaRPr kumimoji="1" lang="zh-CN" altLang="en-US" sz="1400" dirty="0"/>
+          </a:p>
+        </p:txBody>
+      </p:sp>
+    </p:spTree>
+    <p:extLst>
+      <p:ext uri="{BB962C8B-B14F-4D97-AF65-F5344CB8AC3E}">
+        <p14:creationId xmlns:p14="http://schemas.microsoft.com/office/powerpoint/2010/main" val="1389032872"/>
+      </p:ext>
+    </p:extLst>
+  </p:cSld>
+  <p:clrMapOvr>
+    <a:masterClrMapping/>
+  </p:clrMapOvr>
+  <p:timing>
+    <p:tnLst>
+      <p:par>
+        <p:cTn id="1" dur="indefinite" restart="never" nodeType="tmRoot"/>
+      </p:par>
+    </p:tnLst>
+  </p:timing>
+</p:sld>
+</file>
+
+<file path=ppt/slides/slide32.xml><?xml version="1.0" encoding="utf-8"?>
+<p:sld xmlns:a="http://schemas.openxmlformats.org/drawingml/2006/main" xmlns:r="http://schemas.openxmlformats.org/officeDocument/2006/relationships" xmlns:p="http://schemas.openxmlformats.org/presentationml/2006/main">
+  <p:cSld>
+    <p:spTree>
+      <p:nvGrpSpPr>
+        <p:cNvPr id="1" name=""/>
+        <p:cNvGrpSpPr/>
+        <p:nvPr/>
+      </p:nvGrpSpPr>
+      <p:grpSpPr>
+        <a:xfrm>
+          <a:off x="0" y="0"/>
+          <a:ext cx="0" cy="0"/>
+          <a:chOff x="0" y="0"/>
+          <a:chExt cx="0" cy="0"/>
+        </a:xfrm>
+      </p:grpSpPr>
+      <p:sp>
+        <p:nvSpPr>
+          <p:cNvPr id="2" name="标题 1"/>
+          <p:cNvSpPr>
+            <a:spLocks noGrp="1"/>
+          </p:cNvSpPr>
+          <p:nvPr>
+            <p:ph type="title"/>
+          </p:nvPr>
+        </p:nvSpPr>
+        <p:spPr/>
+        <p:txBody>
+          <a:bodyPr/>
+          <a:lstStyle/>
+          <a:p>
+            <a:r>
+              <a:rPr kumimoji="1" lang="zh-CN" altLang="en-US" dirty="0"/>
+              <a:t>第三方工具</a:t>
+            </a:r>
+          </a:p>
+        </p:txBody>
+      </p:sp>
+      <p:sp>
+        <p:nvSpPr>
+          <p:cNvPr id="3" name="内容占位符 2"/>
+          <p:cNvSpPr>
+            <a:spLocks noGrp="1"/>
+          </p:cNvSpPr>
+          <p:nvPr>
+            <p:ph idx="1"/>
+          </p:nvPr>
+        </p:nvSpPr>
+        <p:spPr/>
+        <p:txBody>
+          <a:bodyPr/>
+          <a:lstStyle/>
+          <a:p>
+            <a:r>
+              <a:rPr kumimoji="1" lang="en-US" altLang="zh-CN" dirty="0" err="1"/>
+              <a:t>Ekphrasis</a:t>
+            </a:r>
+            <a:endParaRPr kumimoji="1" lang="en-US" altLang="zh-CN" dirty="0"/>
+          </a:p>
+          <a:p>
+            <a:endParaRPr kumimoji="1" lang="zh-CN" altLang="en-US" dirty="0"/>
+          </a:p>
+        </p:txBody>
+      </p:sp>
+      <p:graphicFrame>
+        <p:nvGraphicFramePr>
+          <p:cNvPr id="7" name="表格 6"/>
+          <p:cNvGraphicFramePr>
+            <a:graphicFrameLocks noGrp="1"/>
+          </p:cNvGraphicFramePr>
+          <p:nvPr>
+            <p:extLst>
+              <p:ext uri="{D42A27DB-BD31-4B8C-83A1-F6EECF244321}">
+                <p14:modId xmlns:p14="http://schemas.microsoft.com/office/powerpoint/2010/main" val="2142647631"/>
+              </p:ext>
+            </p:extLst>
+          </p:nvPr>
+        </p:nvGraphicFramePr>
+        <p:xfrm>
+          <a:off x="1316990" y="2322406"/>
+          <a:ext cx="9618980" cy="1010920"/>
+        </p:xfrm>
+        <a:graphic>
+          <a:graphicData uri="http://schemas.openxmlformats.org/drawingml/2006/table">
+            <a:tbl>
+              <a:tblPr firstRow="1" bandRow="1">
+                <a:tableStyleId>{5C22544A-7EE6-4342-B048-85BDC9FD1C3A}</a:tableStyleId>
+              </a:tblPr>
+              <a:tblGrid>
+                <a:gridCol w="9618980"/>
+              </a:tblGrid>
+              <a:tr h="370840">
+                <a:tc>
+                  <a:txBody>
+                    <a:bodyPr/>
+                    <a:lstStyle/>
+                    <a:p>
+                      <a:r>
+                        <a:rPr lang="en-US" altLang="zh-CN" b="0" dirty="0" smtClean="0">
+                          <a:solidFill>
+                            <a:srgbClr val="032F62"/>
+                          </a:solidFill>
+                        </a:rPr>
+                        <a:t>CANT WAIT for the new season of #</a:t>
+                      </a:r>
+                      <a:r>
+                        <a:rPr lang="en-US" altLang="zh-CN" b="0" dirty="0" err="1" smtClean="0">
+                          <a:solidFill>
+                            <a:srgbClr val="032F62"/>
+                          </a:solidFill>
+                        </a:rPr>
+                        <a:t>TwinPeaks</a:t>
+                      </a:r>
+                      <a:r>
+                        <a:rPr lang="en-US" altLang="zh-CN" b="0" dirty="0" smtClean="0">
+                          <a:solidFill>
+                            <a:srgbClr val="032F62"/>
+                          </a:solidFill>
+                        </a:rPr>
+                        <a:t> </a:t>
+                      </a:r>
+                      <a:r>
+                        <a:rPr lang="zh-CN" altLang="en-US" b="0" dirty="0" smtClean="0">
+                          <a:solidFill>
+                            <a:srgbClr val="032F62"/>
+                          </a:solidFill>
+                        </a:rPr>
+                        <a:t>＼</a:t>
+                      </a:r>
+                      <a:r>
+                        <a:rPr lang="en-US" altLang="zh-CN" b="0" dirty="0" smtClean="0">
+                          <a:solidFill>
+                            <a:srgbClr val="032F62"/>
+                          </a:solidFill>
+                        </a:rPr>
+                        <a:t>(^o^)</a:t>
+                      </a:r>
+                      <a:r>
+                        <a:rPr lang="zh-CN" altLang="en-US" b="0" dirty="0" smtClean="0">
+                          <a:solidFill>
+                            <a:srgbClr val="032F62"/>
+                          </a:solidFill>
+                        </a:rPr>
+                        <a:t>／</a:t>
+                      </a:r>
+                      <a:r>
+                        <a:rPr lang="en-US" altLang="zh-CN" b="0" dirty="0" smtClean="0">
+                          <a:solidFill>
+                            <a:srgbClr val="032F62"/>
+                          </a:solidFill>
+                        </a:rPr>
+                        <a:t>!!! #</a:t>
+                      </a:r>
+                      <a:r>
+                        <a:rPr lang="en-US" altLang="zh-CN" b="0" dirty="0" err="1" smtClean="0">
+                          <a:solidFill>
+                            <a:srgbClr val="032F62"/>
+                          </a:solidFill>
+                        </a:rPr>
+                        <a:t>davidlynch</a:t>
+                      </a:r>
+                      <a:r>
+                        <a:rPr lang="en-US" altLang="zh-CN" b="0" dirty="0" smtClean="0">
+                          <a:solidFill>
+                            <a:srgbClr val="032F62"/>
+                          </a:solidFill>
+                        </a:rPr>
+                        <a:t> #</a:t>
+                      </a:r>
+                      <a:r>
+                        <a:rPr lang="en-US" altLang="zh-CN" b="0" dirty="0" err="1" smtClean="0">
+                          <a:solidFill>
+                            <a:srgbClr val="032F62"/>
+                          </a:solidFill>
+                        </a:rPr>
+                        <a:t>tvseries</a:t>
+                      </a:r>
+                      <a:r>
+                        <a:rPr lang="en-US" altLang="zh-CN" b="0" dirty="0" smtClean="0">
+                          <a:solidFill>
+                            <a:srgbClr val="032F62"/>
+                          </a:solidFill>
+                        </a:rPr>
+                        <a:t> :)))</a:t>
+                      </a:r>
+                      <a:endParaRPr lang="zh-CN" altLang="en-US" b="0" dirty="0"/>
+                    </a:p>
+                  </a:txBody>
+                  <a:tcPr/>
+                </a:tc>
+              </a:tr>
+              <a:tr h="370840">
+                <a:tc>
+                  <a:txBody>
+                    <a:bodyPr/>
+                    <a:lstStyle/>
+                    <a:p>
+                      <a:r>
+                        <a:rPr lang="en-US" altLang="zh-CN" b="0" dirty="0" smtClean="0"/>
+                        <a:t>cant &lt;</a:t>
+                      </a:r>
+                      <a:r>
+                        <a:rPr lang="en-US" altLang="zh-CN" b="0" dirty="0" err="1" smtClean="0"/>
+                        <a:t>allcaps</a:t>
+                      </a:r>
+                      <a:r>
+                        <a:rPr lang="en-US" altLang="zh-CN" b="0" dirty="0" smtClean="0"/>
+                        <a:t>&gt; wait &lt;</a:t>
+                      </a:r>
+                      <a:r>
+                        <a:rPr lang="en-US" altLang="zh-CN" b="0" dirty="0" err="1" smtClean="0"/>
+                        <a:t>allcaps</a:t>
+                      </a:r>
+                      <a:r>
+                        <a:rPr lang="en-US" altLang="zh-CN" b="0" dirty="0" smtClean="0"/>
+                        <a:t>&gt; for the new season of &lt;hashtag&gt; twin peaks &lt;/hashtag&gt; </a:t>
+                      </a:r>
+                      <a:r>
+                        <a:rPr lang="zh-CN" altLang="en-US" b="0" dirty="0" smtClean="0"/>
+                        <a:t>＼</a:t>
+                      </a:r>
+                      <a:r>
+                        <a:rPr lang="en-US" altLang="zh-CN" b="0" dirty="0" smtClean="0"/>
+                        <a:t>(^o^)</a:t>
+                      </a:r>
+                      <a:r>
+                        <a:rPr lang="zh-CN" altLang="en-US" b="0" dirty="0" smtClean="0"/>
+                        <a:t>／ </a:t>
+                      </a:r>
+                      <a:r>
+                        <a:rPr lang="en-US" altLang="zh-CN" b="0" dirty="0" smtClean="0"/>
+                        <a:t>! &lt;repeated&gt; &lt;hashtag&gt; </a:t>
+                      </a:r>
+                      <a:r>
+                        <a:rPr lang="en-US" altLang="zh-CN" b="0" dirty="0" err="1" smtClean="0"/>
+                        <a:t>david</a:t>
+                      </a:r>
+                      <a:r>
+                        <a:rPr lang="en-US" altLang="zh-CN" b="0" dirty="0" smtClean="0"/>
+                        <a:t> lynch &lt;/hashtag&gt; &lt;hashtag&gt; </a:t>
+                      </a:r>
+                      <a:r>
+                        <a:rPr lang="en-US" altLang="zh-CN" b="0" dirty="0" err="1" smtClean="0"/>
+                        <a:t>tv</a:t>
+                      </a:r>
+                      <a:r>
+                        <a:rPr lang="en-US" altLang="zh-CN" b="0" dirty="0" smtClean="0"/>
+                        <a:t> series &lt;/hashtag&gt; &lt;happy&gt; </a:t>
+                      </a:r>
+                      <a:endParaRPr lang="zh-CN" altLang="en-US" b="0" dirty="0"/>
+                    </a:p>
+                  </a:txBody>
+                  <a:tcPr/>
+                </a:tc>
+              </a:tr>
+            </a:tbl>
+          </a:graphicData>
+        </a:graphic>
+      </p:graphicFrame>
+      <p:graphicFrame>
+        <p:nvGraphicFramePr>
+          <p:cNvPr id="8" name="表格 7"/>
+          <p:cNvGraphicFramePr>
+            <a:graphicFrameLocks noGrp="1"/>
+          </p:cNvGraphicFramePr>
+          <p:nvPr>
+            <p:extLst>
+              <p:ext uri="{D42A27DB-BD31-4B8C-83A1-F6EECF244321}">
+                <p14:modId xmlns:p14="http://schemas.microsoft.com/office/powerpoint/2010/main" val="1871683125"/>
+              </p:ext>
+            </p:extLst>
+          </p:nvPr>
+        </p:nvGraphicFramePr>
+        <p:xfrm>
+          <a:off x="1316990" y="3657176"/>
+          <a:ext cx="9618980" cy="1010920"/>
+        </p:xfrm>
+        <a:graphic>
+          <a:graphicData uri="http://schemas.openxmlformats.org/drawingml/2006/table">
+            <a:tbl>
+              <a:tblPr firstRow="1" bandRow="1">
+                <a:tableStyleId>{5C22544A-7EE6-4342-B048-85BDC9FD1C3A}</a:tableStyleId>
+              </a:tblPr>
+              <a:tblGrid>
+                <a:gridCol w="9618980"/>
+              </a:tblGrid>
+              <a:tr h="370840">
+                <a:tc>
+                  <a:txBody>
+                    <a:bodyPr/>
+                    <a:lstStyle/>
+                    <a:p>
+                      <a:r>
+                        <a:rPr lang="en-US" altLang="zh-CN" b="0" dirty="0" smtClean="0">
+                          <a:solidFill>
+                            <a:srgbClr val="032F62"/>
+                          </a:solidFill>
+                        </a:rPr>
+                        <a:t>I saw the new #</a:t>
+                      </a:r>
+                      <a:r>
+                        <a:rPr lang="en-US" altLang="zh-CN" b="0" dirty="0" err="1" smtClean="0">
+                          <a:solidFill>
+                            <a:srgbClr val="032F62"/>
+                          </a:solidFill>
+                        </a:rPr>
+                        <a:t>johndoe</a:t>
+                      </a:r>
+                      <a:r>
+                        <a:rPr lang="en-US" altLang="zh-CN" b="0" dirty="0" smtClean="0">
+                          <a:solidFill>
+                            <a:srgbClr val="032F62"/>
+                          </a:solidFill>
+                        </a:rPr>
+                        <a:t> movie and it </a:t>
+                      </a:r>
+                      <a:r>
+                        <a:rPr lang="en-US" altLang="zh-CN" b="0" dirty="0" err="1" smtClean="0">
+                          <a:solidFill>
+                            <a:srgbClr val="032F62"/>
+                          </a:solidFill>
+                        </a:rPr>
+                        <a:t>suuuuucks</a:t>
+                      </a:r>
+                      <a:r>
+                        <a:rPr lang="en-US" altLang="zh-CN" b="0" dirty="0" smtClean="0">
+                          <a:solidFill>
+                            <a:srgbClr val="032F62"/>
+                          </a:solidFill>
+                        </a:rPr>
+                        <a:t>!!! WAISTED $10... #</a:t>
+                      </a:r>
+                      <a:r>
+                        <a:rPr lang="en-US" altLang="zh-CN" b="0" dirty="0" err="1" smtClean="0">
+                          <a:solidFill>
+                            <a:srgbClr val="032F62"/>
+                          </a:solidFill>
+                        </a:rPr>
+                        <a:t>badmovies</a:t>
+                      </a:r>
+                      <a:r>
+                        <a:rPr lang="en-US" altLang="zh-CN" b="0" dirty="0" smtClean="0">
+                          <a:solidFill>
+                            <a:srgbClr val="032F62"/>
+                          </a:solidFill>
+                        </a:rPr>
+                        <a:t> :/</a:t>
+                      </a:r>
+                      <a:endParaRPr lang="zh-CN" altLang="en-US" b="0" dirty="0"/>
+                    </a:p>
+                  </a:txBody>
+                  <a:tcPr/>
+                </a:tc>
+              </a:tr>
+              <a:tr h="370840">
+                <a:tc>
+                  <a:txBody>
+                    <a:bodyPr/>
+                    <a:lstStyle/>
+                    <a:p>
+                      <a:r>
+                        <a:rPr lang="en-US" altLang="zh-CN" b="0" dirty="0" err="1" smtClean="0"/>
+                        <a:t>i</a:t>
+                      </a:r>
+                      <a:r>
+                        <a:rPr lang="en-US" altLang="zh-CN" b="0" dirty="0" smtClean="0"/>
+                        <a:t> saw the new &lt;hashtag&gt; john doe &lt;/hashtag&gt; movie and it sucks &lt;elongated&gt; ! &lt;repeated&gt; </a:t>
+                      </a:r>
+                      <a:r>
+                        <a:rPr lang="en-US" altLang="zh-CN" b="0" dirty="0" err="1" smtClean="0"/>
+                        <a:t>waisted</a:t>
+                      </a:r>
+                      <a:r>
+                        <a:rPr lang="en-US" altLang="zh-CN" b="0" dirty="0" smtClean="0"/>
+                        <a:t> &lt;</a:t>
+                      </a:r>
+                      <a:r>
+                        <a:rPr lang="en-US" altLang="zh-CN" b="0" dirty="0" err="1" smtClean="0"/>
+                        <a:t>allcaps</a:t>
+                      </a:r>
+                      <a:r>
+                        <a:rPr lang="en-US" altLang="zh-CN" b="0" dirty="0" smtClean="0"/>
+                        <a:t>&gt; &lt;money&gt; . &lt;repeated&gt; &lt;hashtag&gt; bad movies &lt;/hashtag&gt; &lt;annoyed&gt; </a:t>
+                      </a:r>
+                      <a:endParaRPr lang="zh-CN" altLang="en-US" b="0" dirty="0"/>
+                    </a:p>
+                  </a:txBody>
+                  <a:tcPr/>
+                </a:tc>
+              </a:tr>
+            </a:tbl>
+          </a:graphicData>
+        </a:graphic>
+      </p:graphicFrame>
+      <p:graphicFrame>
+        <p:nvGraphicFramePr>
+          <p:cNvPr id="9" name="表格 8"/>
+          <p:cNvGraphicFramePr>
+            <a:graphicFrameLocks noGrp="1"/>
+          </p:cNvGraphicFramePr>
+          <p:nvPr>
+            <p:extLst>
+              <p:ext uri="{D42A27DB-BD31-4B8C-83A1-F6EECF244321}">
+                <p14:modId xmlns:p14="http://schemas.microsoft.com/office/powerpoint/2010/main" val="244850542"/>
+              </p:ext>
+            </p:extLst>
+          </p:nvPr>
+        </p:nvGraphicFramePr>
+        <p:xfrm>
+          <a:off x="1316990" y="4912784"/>
+          <a:ext cx="9618980" cy="1280160"/>
+        </p:xfrm>
+        <a:graphic>
+          <a:graphicData uri="http://schemas.openxmlformats.org/drawingml/2006/table">
+            <a:tbl>
+              <a:tblPr firstRow="1" bandRow="1">
+                <a:tableStyleId>{5C22544A-7EE6-4342-B048-85BDC9FD1C3A}</a:tableStyleId>
+              </a:tblPr>
+              <a:tblGrid>
+                <a:gridCol w="9618980"/>
+              </a:tblGrid>
+              <a:tr h="370840">
+                <a:tc>
+                  <a:txBody>
+                    <a:bodyPr/>
+                    <a:lstStyle/>
+                    <a:p>
+                      <a:r>
+                        <a:rPr lang="en-US" altLang="zh-CN" b="0" dirty="0" smtClean="0">
+                          <a:solidFill>
+                            <a:srgbClr val="032F62"/>
+                          </a:solidFill>
+                        </a:rPr>
+                        <a:t>@</a:t>
+                      </a:r>
+                      <a:r>
+                        <a:rPr lang="en-US" altLang="zh-CN" b="0" dirty="0" err="1" smtClean="0">
+                          <a:solidFill>
+                            <a:srgbClr val="032F62"/>
+                          </a:solidFill>
+                        </a:rPr>
+                        <a:t>SentimentSymp</a:t>
+                      </a:r>
+                      <a:r>
+                        <a:rPr lang="en-US" altLang="zh-CN" b="0" dirty="0" smtClean="0">
+                          <a:solidFill>
+                            <a:srgbClr val="032F62"/>
+                          </a:solidFill>
+                        </a:rPr>
+                        <a:t>: can't wait for the Nov 9 #Sentiment talks! YAAAAAAY !!! :-D http://</a:t>
+                      </a:r>
+                      <a:r>
+                        <a:rPr lang="en-US" altLang="zh-CN" b="0" dirty="0" err="1" smtClean="0">
+                          <a:solidFill>
+                            <a:srgbClr val="032F62"/>
+                          </a:solidFill>
+                        </a:rPr>
+                        <a:t>sentimentsymposium.com</a:t>
+                      </a:r>
+                      <a:r>
+                        <a:rPr lang="en-US" altLang="zh-CN" b="0" dirty="0" smtClean="0">
+                          <a:solidFill>
+                            <a:srgbClr val="032F62"/>
+                          </a:solidFill>
+                        </a:rPr>
+                        <a:t>/.</a:t>
+                      </a:r>
+                      <a:endParaRPr lang="zh-CN" altLang="en-US" b="0" dirty="0"/>
+                    </a:p>
+                  </a:txBody>
+                  <a:tcPr/>
+                </a:tc>
+              </a:tr>
+              <a:tr h="370840">
+                <a:tc>
+                  <a:txBody>
+                    <a:bodyPr/>
+                    <a:lstStyle/>
+                    <a:p>
+                      <a:r>
+                        <a:rPr lang="en-US" altLang="zh-CN" b="0" dirty="0" smtClean="0"/>
+                        <a:t>&lt;user&gt; : can not wait for the &lt;date&gt; &lt;hashtag&gt; sentiment &lt;/hashtag&gt; talks ! yay &lt;</a:t>
+                      </a:r>
+                      <a:r>
+                        <a:rPr lang="en-US" altLang="zh-CN" b="0" dirty="0" err="1" smtClean="0"/>
+                        <a:t>allcaps</a:t>
+                      </a:r>
+                      <a:r>
+                        <a:rPr lang="en-US" altLang="zh-CN" b="0" dirty="0" smtClean="0"/>
+                        <a:t>&gt; &lt;elongated&gt; ! &lt;repeated&gt; &lt;laugh&gt; &lt;</a:t>
+                      </a:r>
+                      <a:r>
+                        <a:rPr lang="en-US" altLang="zh-CN" b="0" dirty="0" err="1" smtClean="0"/>
+                        <a:t>url</a:t>
+                      </a:r>
+                      <a:r>
+                        <a:rPr lang="en-US" altLang="zh-CN" b="0" dirty="0" smtClean="0"/>
+                        <a:t>&gt; </a:t>
+                      </a:r>
+                      <a:endParaRPr lang="zh-CN" altLang="en-US" b="0" dirty="0"/>
+                    </a:p>
+                  </a:txBody>
+                  <a:tcPr/>
+                </a:tc>
+              </a:tr>
+            </a:tbl>
+          </a:graphicData>
+        </a:graphic>
+      </p:graphicFrame>
+    </p:spTree>
+    <p:extLst>
+      <p:ext uri="{BB962C8B-B14F-4D97-AF65-F5344CB8AC3E}">
+        <p14:creationId xmlns:p14="http://schemas.microsoft.com/office/powerpoint/2010/main" val="381223071"/>
+      </p:ext>
+    </p:extLst>
+  </p:cSld>
+  <p:clrMapOvr>
+    <a:masterClrMapping/>
+  </p:clrMapOvr>
+  <p:timing>
+    <p:tnLst>
+      <p:par>
+        <p:cTn id="1" dur="indefinite" restart="never" nodeType="tmRoot"/>
+      </p:par>
+    </p:tnLst>
+  </p:timing>
+</p:sld>
+</file>
+
+<file path=ppt/slides/slide33.xml><?xml version="1.0" encoding="utf-8"?>
+<p:sld xmlns:a="http://schemas.openxmlformats.org/drawingml/2006/main" xmlns:r="http://schemas.openxmlformats.org/officeDocument/2006/relationships" xmlns:p="http://schemas.openxmlformats.org/presentationml/2006/main">
+  <p:cSld>
+    <p:spTree>
+      <p:nvGrpSpPr>
+        <p:cNvPr id="1" name=""/>
+        <p:cNvGrpSpPr/>
+        <p:nvPr/>
+      </p:nvGrpSpPr>
+      <p:grpSpPr>
+        <a:xfrm>
+          <a:off x="0" y="0"/>
+          <a:ext cx="0" cy="0"/>
+          <a:chOff x="0" y="0"/>
+          <a:chExt cx="0" cy="0"/>
+        </a:xfrm>
+      </p:grpSpPr>
+      <p:sp>
+        <p:nvSpPr>
+          <p:cNvPr id="2" name="标题 1"/>
+          <p:cNvSpPr>
+            <a:spLocks noGrp="1"/>
+          </p:cNvSpPr>
+          <p:nvPr>
+            <p:ph type="title"/>
+          </p:nvPr>
+        </p:nvSpPr>
+        <p:spPr/>
+        <p:txBody>
+          <a:bodyPr/>
+          <a:lstStyle/>
+          <a:p>
+            <a:r>
+              <a:rPr kumimoji="1" lang="zh-CN" altLang="en-US" dirty="0"/>
+              <a:t>第三方工具</a:t>
+            </a:r>
+          </a:p>
+        </p:txBody>
+      </p:sp>
+      <p:sp>
+        <p:nvSpPr>
+          <p:cNvPr id="3" name="内容占位符 2"/>
+          <p:cNvSpPr>
+            <a:spLocks noGrp="1"/>
+          </p:cNvSpPr>
+          <p:nvPr>
+            <p:ph idx="1"/>
+          </p:nvPr>
+        </p:nvSpPr>
+        <p:spPr/>
+        <p:txBody>
+          <a:bodyPr/>
+          <a:lstStyle/>
+          <a:p>
+            <a:r>
+              <a:rPr kumimoji="1" lang="en-US" altLang="zh-CN" dirty="0" err="1"/>
+              <a:t>Ekphrasis</a:t>
+            </a:r>
+            <a:endParaRPr kumimoji="1" lang="en-US" altLang="zh-CN" dirty="0"/>
+          </a:p>
+          <a:p>
+            <a:endParaRPr kumimoji="1" lang="zh-CN" altLang="en-US" dirty="0"/>
+          </a:p>
+        </p:txBody>
+      </p:sp>
+      <p:pic>
+        <p:nvPicPr>
+          <p:cNvPr id="4" name="图片 3"/>
+          <p:cNvPicPr>
+            <a:picLocks noChangeAspect="1"/>
+          </p:cNvPicPr>
+          <p:nvPr/>
+        </p:nvPicPr>
+        <p:blipFill rotWithShape="1">
+          <a:blip r:embed="rId2">
+            <a:extLst>
+              <a:ext uri="{28A0092B-C50C-407E-A947-70E740481C1C}">
+                <a14:useLocalDpi xmlns:a14="http://schemas.microsoft.com/office/drawing/2010/main" val="0"/>
+              </a:ext>
+            </a:extLst>
+          </a:blip>
+          <a:srcRect t="12040"/>
+          <a:stretch/>
+        </p:blipFill>
+        <p:spPr>
+          <a:xfrm>
+            <a:off x="3561080" y="1845734"/>
+            <a:ext cx="4622800" cy="4329617"/>
+          </a:xfrm>
+          <a:prstGeom prst="rect">
+            <a:avLst/>
+          </a:prstGeom>
+        </p:spPr>
+      </p:pic>
+    </p:spTree>
+    <p:extLst>
+      <p:ext uri="{BB962C8B-B14F-4D97-AF65-F5344CB8AC3E}">
+        <p14:creationId xmlns:p14="http://schemas.microsoft.com/office/powerpoint/2010/main" val="1455002882"/>
+      </p:ext>
+    </p:extLst>
+  </p:cSld>
+  <p:clrMapOvr>
+    <a:masterClrMapping/>
+  </p:clrMapOvr>
+  <p:timing>
+    <p:tnLst>
+      <p:par>
+        <p:cTn id="1" dur="indefinite" restart="never" nodeType="tmRoot"/>
+      </p:par>
+    </p:tnLst>
+  </p:timing>
+</p:sld>
+</file>
+
+<file path=ppt/slides/slide34.xml><?xml version="1.0" encoding="utf-8"?>
+<p:sld xmlns:a="http://schemas.openxmlformats.org/drawingml/2006/main" xmlns:r="http://schemas.openxmlformats.org/officeDocument/2006/relationships" xmlns:p="http://schemas.openxmlformats.org/presentationml/2006/main">
+  <p:cSld>
+    <p:spTree>
+      <p:nvGrpSpPr>
+        <p:cNvPr id="1" name=""/>
+        <p:cNvGrpSpPr/>
+        <p:nvPr/>
+      </p:nvGrpSpPr>
+      <p:grpSpPr>
+        <a:xfrm>
+          <a:off x="0" y="0"/>
+          <a:ext cx="0" cy="0"/>
+          <a:chOff x="0" y="0"/>
+          <a:chExt cx="0" cy="0"/>
+        </a:xfrm>
+      </p:grpSpPr>
+      <p:sp>
+        <p:nvSpPr>
+          <p:cNvPr id="2" name="标题 1"/>
+          <p:cNvSpPr>
+            <a:spLocks noGrp="1"/>
+          </p:cNvSpPr>
+          <p:nvPr>
+            <p:ph type="title"/>
+          </p:nvPr>
+        </p:nvSpPr>
+        <p:spPr/>
+        <p:txBody>
+          <a:bodyPr/>
+          <a:lstStyle/>
+          <a:p>
+            <a:r>
+              <a:rPr kumimoji="1" lang="zh-CN" altLang="en-US" dirty="0" smtClean="0"/>
+              <a:t>参考文献</a:t>
+            </a:r>
+            <a:endParaRPr kumimoji="1" lang="zh-CN" altLang="en-US" dirty="0"/>
+          </a:p>
+        </p:txBody>
+      </p:sp>
+      <p:sp>
+        <p:nvSpPr>
+          <p:cNvPr id="3" name="内容占位符 2"/>
+          <p:cNvSpPr>
+            <a:spLocks noGrp="1"/>
+          </p:cNvSpPr>
+          <p:nvPr>
+            <p:ph idx="1"/>
+          </p:nvPr>
+        </p:nvSpPr>
+        <p:spPr/>
+        <p:txBody>
+          <a:bodyPr>
+            <a:normAutofit/>
+          </a:bodyPr>
+          <a:lstStyle/>
+          <a:p>
+            <a:pPr lvl="1"/>
+            <a:r>
+              <a:rPr kumimoji="1" lang="en-US" altLang="zh-CN" dirty="0" smtClean="0"/>
+              <a:t>[1] Vu</a:t>
+            </a:r>
+            <a:r>
+              <a:rPr kumimoji="1" lang="en-US" altLang="zh-CN" dirty="0"/>
+              <a:t>, T., Nguyen, D. Q., Vu, X. S., Nguyen, D. Q., Catt, M., &amp; </a:t>
+            </a:r>
+            <a:r>
+              <a:rPr kumimoji="1" lang="en-US" altLang="zh-CN" dirty="0" err="1"/>
+              <a:t>Trenell</a:t>
+            </a:r>
+            <a:r>
+              <a:rPr kumimoji="1" lang="en-US" altLang="zh-CN" dirty="0"/>
+              <a:t>, M. (2018). </a:t>
+            </a:r>
+            <a:r>
+              <a:rPr kumimoji="1" lang="en-US" altLang="zh-CN" dirty="0" err="1"/>
+              <a:t>Nihrio</a:t>
+            </a:r>
+            <a:r>
+              <a:rPr kumimoji="1" lang="en-US" altLang="zh-CN" dirty="0"/>
+              <a:t> at semeval-2018 task 3: a simple and accurate neural network model for irony detection in twitter</a:t>
+            </a:r>
+            <a:r>
+              <a:rPr kumimoji="1" lang="en-US" altLang="zh-CN" dirty="0" smtClean="0"/>
+              <a:t>.</a:t>
+            </a:r>
+            <a:endParaRPr kumimoji="1" lang="en-US" altLang="zh-CN" dirty="0"/>
+          </a:p>
+          <a:p>
+            <a:pPr lvl="1"/>
+            <a:r>
+              <a:rPr kumimoji="1" lang="en-US" altLang="zh-CN" dirty="0" smtClean="0"/>
+              <a:t>[2] </a:t>
+            </a:r>
+            <a:r>
+              <a:rPr kumimoji="1" lang="en-US" altLang="zh-CN" dirty="0" err="1" smtClean="0"/>
+              <a:t>Riloff</a:t>
+            </a:r>
+            <a:r>
+              <a:rPr kumimoji="1" lang="en-US" altLang="zh-CN" dirty="0"/>
+              <a:t>, E., </a:t>
+            </a:r>
+            <a:r>
+              <a:rPr kumimoji="1" lang="en-US" altLang="zh-CN" dirty="0" err="1"/>
+              <a:t>Qadir</a:t>
+            </a:r>
+            <a:r>
+              <a:rPr kumimoji="1" lang="en-US" altLang="zh-CN" dirty="0"/>
+              <a:t>, A., </a:t>
+            </a:r>
+            <a:r>
+              <a:rPr kumimoji="1" lang="en-US" altLang="zh-CN" dirty="0" err="1"/>
+              <a:t>Surve</a:t>
+            </a:r>
+            <a:r>
+              <a:rPr kumimoji="1" lang="en-US" altLang="zh-CN" dirty="0"/>
+              <a:t>, P., Silva, L.D., Gilbert, H., and Huang, R. (2013). Sarcasm as contrast between a positive sentiment and negative situation. In Proceedings of the 2013 Conference on Empirical Methods in Natural Language Processing, pages 704–714. Association for Computational Linguistics.</a:t>
+            </a:r>
+          </a:p>
+          <a:p>
+            <a:pPr lvl="1"/>
+            <a:r>
+              <a:rPr kumimoji="1" lang="en-US" altLang="zh-CN" dirty="0" smtClean="0"/>
+              <a:t>[3] Joshi</a:t>
+            </a:r>
+            <a:r>
+              <a:rPr kumimoji="1" lang="en-US" altLang="zh-CN" dirty="0"/>
+              <a:t>, A., Sharma, V., Bhattacharyya, P. (2015). Harnessing Context Incongruity for Sarcasm Detection. Proceedings of the 53rd Annual Meeting of the Association for Computational Linguistics and the 7th International Joint Conference on Natural Language Processing, pages </a:t>
+            </a:r>
+            <a:r>
+              <a:rPr kumimoji="1" lang="en-US" altLang="zh-CN" dirty="0" smtClean="0"/>
+              <a:t>757–762</a:t>
+            </a:r>
+          </a:p>
+          <a:p>
+            <a:pPr lvl="1"/>
+            <a:r>
+              <a:rPr kumimoji="1" lang="en-US" altLang="zh-CN" dirty="0" smtClean="0"/>
+              <a:t>[4] Joshi</a:t>
+            </a:r>
+            <a:r>
+              <a:rPr kumimoji="1" lang="en-US" altLang="zh-CN" dirty="0"/>
+              <a:t>, A., </a:t>
+            </a:r>
+            <a:r>
+              <a:rPr kumimoji="1" lang="en-US" altLang="zh-CN" dirty="0" err="1"/>
+              <a:t>Tripathi</a:t>
+            </a:r>
+            <a:r>
+              <a:rPr kumimoji="1" lang="en-US" altLang="zh-CN" dirty="0"/>
+              <a:t>, V., Patel, K., Bhattacharyya, P., &amp; Carman, M. (2016). Are word embedding-based features useful for sarcasm detection?.</a:t>
+            </a:r>
+            <a:endParaRPr kumimoji="1" lang="en-US" altLang="zh-CN" dirty="0" smtClean="0"/>
+          </a:p>
+          <a:p>
+            <a:pPr lvl="1"/>
+            <a:endParaRPr kumimoji="1" lang="en-US" altLang="zh-CN" dirty="0"/>
+          </a:p>
+        </p:txBody>
+      </p:sp>
+    </p:spTree>
+    <p:extLst>
+      <p:ext uri="{BB962C8B-B14F-4D97-AF65-F5344CB8AC3E}">
+        <p14:creationId xmlns:p14="http://schemas.microsoft.com/office/powerpoint/2010/main" val="1772833332"/>
+      </p:ext>
+    </p:extLst>
+  </p:cSld>
+  <p:clrMapOvr>
+    <a:masterClrMapping/>
+  </p:clrMapOvr>
+  <p:timing>
+    <p:tnLst>
+      <p:par>
+        <p:cTn id="1" dur="indefinite" restart="never" nodeType="tmRoot"/>
+      </p:par>
+    </p:tnLst>
+  </p:timing>
+</p:sld>
+</file>
+
+<file path=ppt/slides/slide35.xml><?xml version="1.0" encoding="utf-8"?>
+<p:sld xmlns:a="http://schemas.openxmlformats.org/drawingml/2006/main" xmlns:r="http://schemas.openxmlformats.org/officeDocument/2006/relationships" xmlns:p="http://schemas.openxmlformats.org/presentationml/2006/main">
+  <p:cSld>
+    <p:spTree>
+      <p:nvGrpSpPr>
+        <p:cNvPr id="1" name=""/>
+        <p:cNvGrpSpPr/>
+        <p:nvPr/>
+      </p:nvGrpSpPr>
+      <p:grpSpPr>
+        <a:xfrm>
+          <a:off x="0" y="0"/>
+          <a:ext cx="0" cy="0"/>
+          <a:chOff x="0" y="0"/>
+          <a:chExt cx="0" cy="0"/>
+        </a:xfrm>
+      </p:grpSpPr>
+      <p:sp>
+        <p:nvSpPr>
+          <p:cNvPr id="2" name="标题 1"/>
+          <p:cNvSpPr>
+            <a:spLocks noGrp="1"/>
+          </p:cNvSpPr>
+          <p:nvPr>
+            <p:ph type="title"/>
+          </p:nvPr>
+        </p:nvSpPr>
+        <p:spPr/>
+        <p:txBody>
+          <a:bodyPr/>
+          <a:lstStyle/>
+          <a:p>
+            <a:r>
+              <a:rPr kumimoji="1" lang="zh-CN" altLang="en-US" dirty="0"/>
+              <a:t>参考文献</a:t>
+            </a:r>
+          </a:p>
+        </p:txBody>
+      </p:sp>
+      <p:sp>
+        <p:nvSpPr>
+          <p:cNvPr id="3" name="内容占位符 2"/>
+          <p:cNvSpPr>
+            <a:spLocks noGrp="1"/>
+          </p:cNvSpPr>
+          <p:nvPr>
+            <p:ph idx="1"/>
+          </p:nvPr>
+        </p:nvSpPr>
+        <p:spPr/>
+        <p:txBody>
+          <a:bodyPr/>
+          <a:lstStyle/>
+          <a:p>
+            <a:pPr lvl="1"/>
+            <a:r>
+              <a:rPr kumimoji="1" lang="en-US" altLang="zh-CN" dirty="0" smtClean="0"/>
+              <a:t>Glove</a:t>
+            </a:r>
+          </a:p>
+          <a:p>
+            <a:pPr lvl="2"/>
+            <a:r>
+              <a:rPr lang="en-US" altLang="zh-CN" dirty="0" smtClean="0"/>
+              <a:t>Jeffrey </a:t>
+            </a:r>
+            <a:r>
+              <a:rPr lang="en-US" altLang="zh-CN" dirty="0"/>
+              <a:t>Pennington, Richard </a:t>
+            </a:r>
+            <a:r>
+              <a:rPr lang="en-US" altLang="zh-CN" dirty="0" err="1"/>
+              <a:t>Socher</a:t>
+            </a:r>
+            <a:r>
+              <a:rPr lang="en-US" altLang="zh-CN" dirty="0"/>
+              <a:t>, and Christopher Manning. 2014. Glove: Global Vectors for Word Representation. In Proceedings of the 2014 Conference on Empirical Methods in Natural Language Processing , pages 1532–1543.</a:t>
+            </a:r>
+          </a:p>
+          <a:p>
+            <a:pPr lvl="1"/>
+            <a:r>
+              <a:rPr kumimoji="1" lang="en-US" altLang="zh-CN" dirty="0"/>
+              <a:t>LSI, Latent Sematic </a:t>
+            </a:r>
+            <a:r>
+              <a:rPr kumimoji="1" lang="en-US" altLang="zh-CN" dirty="0" smtClean="0"/>
+              <a:t>Indexing</a:t>
+            </a:r>
+          </a:p>
+          <a:p>
+            <a:pPr lvl="2"/>
+            <a:r>
+              <a:rPr lang="en-US" altLang="zh-CN" dirty="0"/>
+              <a:t>Papadimitriou, Christos H, Tamaki, </a:t>
+            </a:r>
+            <a:r>
+              <a:rPr lang="en-US" altLang="zh-CN" dirty="0" err="1"/>
+              <a:t>Hisao</a:t>
+            </a:r>
+            <a:r>
+              <a:rPr lang="en-US" altLang="zh-CN" dirty="0"/>
+              <a:t>, </a:t>
+            </a:r>
+            <a:r>
+              <a:rPr lang="en-US" altLang="zh-CN" dirty="0" err="1"/>
+              <a:t>Raghavan</a:t>
+            </a:r>
+            <a:r>
+              <a:rPr lang="en-US" altLang="zh-CN" dirty="0"/>
+              <a:t>, </a:t>
+            </a:r>
+            <a:r>
+              <a:rPr lang="en-US" altLang="zh-CN" dirty="0" err="1"/>
+              <a:t>Prabhakar</a:t>
+            </a:r>
+            <a:r>
+              <a:rPr lang="en-US" altLang="zh-CN" dirty="0"/>
+              <a:t>, &amp; </a:t>
+            </a:r>
+            <a:r>
+              <a:rPr lang="en-US" altLang="zh-CN" dirty="0" err="1"/>
+              <a:t>Vempala</a:t>
+            </a:r>
+            <a:r>
+              <a:rPr lang="en-US" altLang="zh-CN" dirty="0"/>
+              <a:t>, Santosh. (2000). Latent semantic indexing: a probabilistic analysis. </a:t>
+            </a:r>
+            <a:r>
+              <a:rPr lang="en-US" altLang="zh-CN" i="1" dirty="0"/>
+              <a:t>Journal of Computer and System Sciences,</a:t>
+            </a:r>
+            <a:r>
+              <a:rPr lang="en-US" altLang="zh-CN" dirty="0"/>
+              <a:t> </a:t>
+            </a:r>
+            <a:r>
+              <a:rPr lang="en-US" altLang="zh-CN" i="1" dirty="0"/>
+              <a:t>61</a:t>
+            </a:r>
+            <a:r>
+              <a:rPr lang="en-US" altLang="zh-CN" dirty="0"/>
+              <a:t>(2), 217-235.</a:t>
+            </a:r>
+            <a:endParaRPr kumimoji="1" lang="zh-CN" altLang="en-US" dirty="0"/>
+          </a:p>
+        </p:txBody>
+      </p:sp>
+    </p:spTree>
+    <p:extLst>
+      <p:ext uri="{BB962C8B-B14F-4D97-AF65-F5344CB8AC3E}">
+        <p14:creationId xmlns:p14="http://schemas.microsoft.com/office/powerpoint/2010/main" val="823287115"/>
+      </p:ext>
+    </p:extLst>
+  </p:cSld>
+  <p:clrMapOvr>
+    <a:masterClrMapping/>
+  </p:clrMapOvr>
 </p:sld>
 </file>
 
